--- a/Aula-Bootstrap.pptx
+++ b/Aula-Bootstrap.pptx
@@ -8,9 +8,17 @@
     <p:sldId id="256" r:id="rId2"/>
     <p:sldId id="257" r:id="rId3"/>
     <p:sldId id="258" r:id="rId4"/>
-    <p:sldId id="259" r:id="rId5"/>
-    <p:sldId id="260" r:id="rId6"/>
-    <p:sldId id="261" r:id="rId7"/>
+    <p:sldId id="262" r:id="rId5"/>
+    <p:sldId id="259" r:id="rId6"/>
+    <p:sldId id="260" r:id="rId7"/>
+    <p:sldId id="261" r:id="rId8"/>
+    <p:sldId id="263" r:id="rId9"/>
+    <p:sldId id="264" r:id="rId10"/>
+    <p:sldId id="265" r:id="rId11"/>
+    <p:sldId id="266" r:id="rId12"/>
+    <p:sldId id="267" r:id="rId13"/>
+    <p:sldId id="268" r:id="rId14"/>
+    <p:sldId id="269" r:id="rId15"/>
   </p:sldIdLst>
   <p:sldSz cx="12192000" cy="6858000"/>
   <p:notesSz cx="6858000" cy="9144000"/>
@@ -3756,21 +3764,22 @@
             <p:ph type="ctrTitle"/>
           </p:nvPr>
         </p:nvSpPr>
-        <p:spPr/>
+        <p:spPr>
+          <a:xfrm>
+            <a:off x="87965" y="3169924"/>
+            <a:ext cx="7544444" cy="1285697"/>
+          </a:xfrm>
+        </p:spPr>
         <p:txBody>
           <a:bodyPr/>
           <a:lstStyle/>
           <a:p>
             <a:pPr algn="ctr"/>
             <a:r>
-              <a:rPr lang="pt-BR" dirty="0" err="1" smtClean="0"/>
-              <a:t>Bootstrap</a:t>
-            </a:r>
-            <a:r>
-              <a:rPr lang="pt-BR" dirty="0" smtClean="0"/>
-              <a:t>	</a:t>
-            </a:r>
-            <a:endParaRPr lang="pt-BR" dirty="0"/>
+              <a:rPr lang="pt-BR" b="1" dirty="0" smtClean="0"/>
+              <a:t>BOOTSTRAP	</a:t>
+            </a:r>
+            <a:endParaRPr lang="pt-BR" b="1" dirty="0"/>
           </a:p>
         </p:txBody>
       </p:sp>
@@ -3787,7 +3796,7 @@
         <p:spPr/>
         <p:txBody>
           <a:bodyPr>
-            <a:normAutofit fontScale="85000" lnSpcReduction="20000"/>
+            <a:noAutofit/>
           </a:bodyPr>
           <a:lstStyle/>
           <a:p>
@@ -3807,14 +3816,1777 @@
               <a:rPr lang="pt-BR" dirty="0" smtClean="0"/>
               <a:t>Aluno/Monitor: Vinícius Diehl de Franceschi</a:t>
             </a:r>
+          </a:p>
+          <a:p>
+            <a:r>
+              <a:rPr lang="pt-BR" dirty="0" smtClean="0"/>
+              <a:t>Sistemas para Internet - UFSM</a:t>
+            </a:r>
             <a:endParaRPr lang="pt-BR" dirty="0"/>
           </a:p>
         </p:txBody>
       </p:sp>
+      <p:pic>
+        <p:nvPicPr>
+          <p:cNvPr id="6" name="Imagem 5"/>
+          <p:cNvPicPr>
+            <a:picLocks noChangeAspect="1"/>
+          </p:cNvPicPr>
+          <p:nvPr/>
+        </p:nvPicPr>
+        <p:blipFill>
+          <a:blip r:embed="rId2"/>
+          <a:stretch>
+            <a:fillRect/>
+          </a:stretch>
+        </p:blipFill>
+        <p:spPr>
+          <a:xfrm>
+            <a:off x="7997781" y="2640001"/>
+            <a:ext cx="4069724" cy="2741178"/>
+          </a:xfrm>
+          <a:prstGeom prst="rect">
+            <a:avLst/>
+          </a:prstGeom>
+        </p:spPr>
+      </p:pic>
     </p:spTree>
     <p:extLst>
       <p:ext uri="{BB962C8B-B14F-4D97-AF65-F5344CB8AC3E}">
         <p14:creationId xmlns:p14="http://schemas.microsoft.com/office/powerpoint/2010/main" val="3731270445"/>
+      </p:ext>
+    </p:extLst>
+  </p:cSld>
+  <p:clrMapOvr>
+    <a:masterClrMapping/>
+  </p:clrMapOvr>
+  <p:timing>
+    <p:tnLst>
+      <p:par>
+        <p:cTn id="1" dur="indefinite" restart="never" nodeType="tmRoot"/>
+      </p:par>
+    </p:tnLst>
+  </p:timing>
+</p:sld>
+</file>
+
+<file path=ppt/slides/slide10.xml><?xml version="1.0" encoding="utf-8"?>
+<p:sld xmlns:a="http://schemas.openxmlformats.org/drawingml/2006/main" xmlns:r="http://schemas.openxmlformats.org/officeDocument/2006/relationships" xmlns:p="http://schemas.openxmlformats.org/presentationml/2006/main">
+  <p:cSld>
+    <p:spTree>
+      <p:nvGrpSpPr>
+        <p:cNvPr id="1" name=""/>
+        <p:cNvGrpSpPr/>
+        <p:nvPr/>
+      </p:nvGrpSpPr>
+      <p:grpSpPr>
+        <a:xfrm>
+          <a:off x="0" y="0"/>
+          <a:ext cx="0" cy="0"/>
+          <a:chOff x="0" y="0"/>
+          <a:chExt cx="0" cy="0"/>
+        </a:xfrm>
+      </p:grpSpPr>
+      <p:sp>
+        <p:nvSpPr>
+          <p:cNvPr id="2" name="Título 1"/>
+          <p:cNvSpPr>
+            <a:spLocks noGrp="1"/>
+          </p:cNvSpPr>
+          <p:nvPr>
+            <p:ph type="title"/>
+          </p:nvPr>
+        </p:nvSpPr>
+        <p:spPr>
+          <a:xfrm>
+            <a:off x="1151508" y="927279"/>
+            <a:ext cx="10058400" cy="771445"/>
+          </a:xfrm>
+        </p:spPr>
+        <p:txBody>
+          <a:bodyPr/>
+          <a:lstStyle/>
+          <a:p>
+            <a:pPr algn="ctr"/>
+            <a:r>
+              <a:rPr lang="pt-BR" dirty="0" smtClean="0"/>
+              <a:t>Formulários</a:t>
+            </a:r>
+            <a:endParaRPr lang="pt-BR" dirty="0"/>
+          </a:p>
+        </p:txBody>
+      </p:sp>
+      <p:sp>
+        <p:nvSpPr>
+          <p:cNvPr id="6" name="Espaço Reservado para Conteúdo 2"/>
+          <p:cNvSpPr txBox="1">
+            <a:spLocks/>
+          </p:cNvSpPr>
+          <p:nvPr/>
+        </p:nvSpPr>
+        <p:spPr>
+          <a:xfrm>
+            <a:off x="1097280" y="1845734"/>
+            <a:ext cx="10112628" cy="4490672"/>
+          </a:xfrm>
+          <a:prstGeom prst="rect">
+            <a:avLst/>
+          </a:prstGeom>
+        </p:spPr>
+        <p:txBody>
+          <a:bodyPr vert="horz" lIns="0" tIns="45720" rIns="0" bIns="45720" rtlCol="0">
+            <a:normAutofit/>
+          </a:bodyPr>
+          <a:lstStyle>
+            <a:lvl1pPr marL="91440" indent="-91440" algn="l" defTabSz="914400" rtl="0" eaLnBrk="1" latinLnBrk="0" hangingPunct="1">
+              <a:lnSpc>
+                <a:spcPct val="90000"/>
+              </a:lnSpc>
+              <a:spcBef>
+                <a:spcPts val="1200"/>
+              </a:spcBef>
+              <a:spcAft>
+                <a:spcPts val="200"/>
+              </a:spcAft>
+              <a:buClr>
+                <a:schemeClr val="accent1"/>
+              </a:buClr>
+              <a:buSzPct val="100000"/>
+              <a:buFont typeface="Calibri" panose="020F0502020204030204" pitchFamily="34" charset="0"/>
+              <a:buChar char=" "/>
+              <a:defRPr sz="2000" kern="1200">
+                <a:solidFill>
+                  <a:schemeClr val="tx1">
+                    <a:lumMod val="75000"/>
+                    <a:lumOff val="25000"/>
+                  </a:schemeClr>
+                </a:solidFill>
+                <a:latin typeface="+mn-lt"/>
+                <a:ea typeface="+mn-ea"/>
+                <a:cs typeface="+mn-cs"/>
+              </a:defRPr>
+            </a:lvl1pPr>
+            <a:lvl2pPr marL="384048" indent="-182880" algn="l" defTabSz="914400" rtl="0" eaLnBrk="1" latinLnBrk="0" hangingPunct="1">
+              <a:lnSpc>
+                <a:spcPct val="90000"/>
+              </a:lnSpc>
+              <a:spcBef>
+                <a:spcPts val="200"/>
+              </a:spcBef>
+              <a:spcAft>
+                <a:spcPts val="400"/>
+              </a:spcAft>
+              <a:buClr>
+                <a:schemeClr val="accent1"/>
+              </a:buClr>
+              <a:buFont typeface="Calibri" pitchFamily="34" charset="0"/>
+              <a:buChar char="◦"/>
+              <a:defRPr sz="1800" kern="1200">
+                <a:solidFill>
+                  <a:schemeClr val="tx1">
+                    <a:lumMod val="75000"/>
+                    <a:lumOff val="25000"/>
+                  </a:schemeClr>
+                </a:solidFill>
+                <a:latin typeface="+mn-lt"/>
+                <a:ea typeface="+mn-ea"/>
+                <a:cs typeface="+mn-cs"/>
+              </a:defRPr>
+            </a:lvl2pPr>
+            <a:lvl3pPr marL="566928" indent="-182880" algn="l" defTabSz="914400" rtl="0" eaLnBrk="1" latinLnBrk="0" hangingPunct="1">
+              <a:lnSpc>
+                <a:spcPct val="90000"/>
+              </a:lnSpc>
+              <a:spcBef>
+                <a:spcPts val="200"/>
+              </a:spcBef>
+              <a:spcAft>
+                <a:spcPts val="400"/>
+              </a:spcAft>
+              <a:buClr>
+                <a:schemeClr val="accent1"/>
+              </a:buClr>
+              <a:buFont typeface="Calibri" pitchFamily="34" charset="0"/>
+              <a:buChar char="◦"/>
+              <a:defRPr sz="1400" kern="1200">
+                <a:solidFill>
+                  <a:schemeClr val="tx1">
+                    <a:lumMod val="75000"/>
+                    <a:lumOff val="25000"/>
+                  </a:schemeClr>
+                </a:solidFill>
+                <a:latin typeface="+mn-lt"/>
+                <a:ea typeface="+mn-ea"/>
+                <a:cs typeface="+mn-cs"/>
+              </a:defRPr>
+            </a:lvl3pPr>
+            <a:lvl4pPr marL="749808" indent="-182880" algn="l" defTabSz="914400" rtl="0" eaLnBrk="1" latinLnBrk="0" hangingPunct="1">
+              <a:lnSpc>
+                <a:spcPct val="90000"/>
+              </a:lnSpc>
+              <a:spcBef>
+                <a:spcPts val="200"/>
+              </a:spcBef>
+              <a:spcAft>
+                <a:spcPts val="400"/>
+              </a:spcAft>
+              <a:buClr>
+                <a:schemeClr val="accent1"/>
+              </a:buClr>
+              <a:buFont typeface="Calibri" pitchFamily="34" charset="0"/>
+              <a:buChar char="◦"/>
+              <a:defRPr sz="1400" kern="1200">
+                <a:solidFill>
+                  <a:schemeClr val="tx1">
+                    <a:lumMod val="75000"/>
+                    <a:lumOff val="25000"/>
+                  </a:schemeClr>
+                </a:solidFill>
+                <a:latin typeface="+mn-lt"/>
+                <a:ea typeface="+mn-ea"/>
+                <a:cs typeface="+mn-cs"/>
+              </a:defRPr>
+            </a:lvl4pPr>
+            <a:lvl5pPr marL="932688" indent="-182880" algn="l" defTabSz="914400" rtl="0" eaLnBrk="1" latinLnBrk="0" hangingPunct="1">
+              <a:lnSpc>
+                <a:spcPct val="90000"/>
+              </a:lnSpc>
+              <a:spcBef>
+                <a:spcPts val="200"/>
+              </a:spcBef>
+              <a:spcAft>
+                <a:spcPts val="400"/>
+              </a:spcAft>
+              <a:buClr>
+                <a:schemeClr val="accent1"/>
+              </a:buClr>
+              <a:buFont typeface="Calibri" pitchFamily="34" charset="0"/>
+              <a:buChar char="◦"/>
+              <a:defRPr sz="1400" kern="1200">
+                <a:solidFill>
+                  <a:schemeClr val="tx1">
+                    <a:lumMod val="75000"/>
+                    <a:lumOff val="25000"/>
+                  </a:schemeClr>
+                </a:solidFill>
+                <a:latin typeface="+mn-lt"/>
+                <a:ea typeface="+mn-ea"/>
+                <a:cs typeface="+mn-cs"/>
+              </a:defRPr>
+            </a:lvl5pPr>
+            <a:lvl6pPr marL="1100000" indent="-228600" algn="l" defTabSz="914400" rtl="0" eaLnBrk="1" latinLnBrk="0" hangingPunct="1">
+              <a:lnSpc>
+                <a:spcPct val="90000"/>
+              </a:lnSpc>
+              <a:spcBef>
+                <a:spcPts val="200"/>
+              </a:spcBef>
+              <a:spcAft>
+                <a:spcPts val="400"/>
+              </a:spcAft>
+              <a:buClr>
+                <a:schemeClr val="accent1"/>
+              </a:buClr>
+              <a:buFont typeface="Calibri" pitchFamily="34" charset="0"/>
+              <a:buChar char="◦"/>
+              <a:defRPr sz="1400" kern="1200">
+                <a:solidFill>
+                  <a:schemeClr val="tx1">
+                    <a:lumMod val="75000"/>
+                    <a:lumOff val="25000"/>
+                  </a:schemeClr>
+                </a:solidFill>
+                <a:latin typeface="+mn-lt"/>
+                <a:ea typeface="+mn-ea"/>
+                <a:cs typeface="+mn-cs"/>
+              </a:defRPr>
+            </a:lvl6pPr>
+            <a:lvl7pPr marL="1300000" indent="-228600" algn="l" defTabSz="914400" rtl="0" eaLnBrk="1" latinLnBrk="0" hangingPunct="1">
+              <a:lnSpc>
+                <a:spcPct val="90000"/>
+              </a:lnSpc>
+              <a:spcBef>
+                <a:spcPts val="200"/>
+              </a:spcBef>
+              <a:spcAft>
+                <a:spcPts val="400"/>
+              </a:spcAft>
+              <a:buClr>
+                <a:schemeClr val="accent1"/>
+              </a:buClr>
+              <a:buFont typeface="Calibri" pitchFamily="34" charset="0"/>
+              <a:buChar char="◦"/>
+              <a:defRPr sz="1400" kern="1200">
+                <a:solidFill>
+                  <a:schemeClr val="tx1">
+                    <a:lumMod val="75000"/>
+                    <a:lumOff val="25000"/>
+                  </a:schemeClr>
+                </a:solidFill>
+                <a:latin typeface="+mn-lt"/>
+                <a:ea typeface="+mn-ea"/>
+                <a:cs typeface="+mn-cs"/>
+              </a:defRPr>
+            </a:lvl7pPr>
+            <a:lvl8pPr marL="1500000" indent="-228600" algn="l" defTabSz="914400" rtl="0" eaLnBrk="1" latinLnBrk="0" hangingPunct="1">
+              <a:lnSpc>
+                <a:spcPct val="90000"/>
+              </a:lnSpc>
+              <a:spcBef>
+                <a:spcPts val="200"/>
+              </a:spcBef>
+              <a:spcAft>
+                <a:spcPts val="400"/>
+              </a:spcAft>
+              <a:buClr>
+                <a:schemeClr val="accent1"/>
+              </a:buClr>
+              <a:buFont typeface="Calibri" pitchFamily="34" charset="0"/>
+              <a:buChar char="◦"/>
+              <a:defRPr sz="1400" kern="1200">
+                <a:solidFill>
+                  <a:schemeClr val="tx1">
+                    <a:lumMod val="75000"/>
+                    <a:lumOff val="25000"/>
+                  </a:schemeClr>
+                </a:solidFill>
+                <a:latin typeface="+mn-lt"/>
+                <a:ea typeface="+mn-ea"/>
+                <a:cs typeface="+mn-cs"/>
+              </a:defRPr>
+            </a:lvl8pPr>
+            <a:lvl9pPr marL="1700000" indent="-228600" algn="l" defTabSz="914400" rtl="0" eaLnBrk="1" latinLnBrk="0" hangingPunct="1">
+              <a:lnSpc>
+                <a:spcPct val="90000"/>
+              </a:lnSpc>
+              <a:spcBef>
+                <a:spcPts val="200"/>
+              </a:spcBef>
+              <a:spcAft>
+                <a:spcPts val="400"/>
+              </a:spcAft>
+              <a:buClr>
+                <a:schemeClr val="accent1"/>
+              </a:buClr>
+              <a:buFont typeface="Calibri" pitchFamily="34" charset="0"/>
+              <a:buChar char="◦"/>
+              <a:defRPr sz="1400" kern="1200">
+                <a:solidFill>
+                  <a:schemeClr val="tx1">
+                    <a:lumMod val="75000"/>
+                    <a:lumOff val="25000"/>
+                  </a:schemeClr>
+                </a:solidFill>
+                <a:latin typeface="+mn-lt"/>
+                <a:ea typeface="+mn-ea"/>
+                <a:cs typeface="+mn-cs"/>
+              </a:defRPr>
+            </a:lvl9pPr>
+          </a:lstStyle>
+          <a:p>
+            <a:pPr>
+              <a:buFont typeface="Arial" panose="020B0604020202020204" pitchFamily="34" charset="0"/>
+              <a:buChar char="•"/>
+            </a:pPr>
+            <a:r>
+              <a:rPr lang="pt-BR" dirty="0" smtClean="0"/>
+              <a:t> Formulários são chamados pela class</a:t>
+            </a:r>
+            <a:r>
+              <a:rPr lang="pt-BR" dirty="0"/>
+              <a:t>e</a:t>
+            </a:r>
+            <a:r>
+              <a:rPr lang="pt-BR" dirty="0" smtClean="0"/>
+              <a:t> </a:t>
+            </a:r>
+            <a:r>
+              <a:rPr lang="pt-BR" b="1" dirty="0" smtClean="0"/>
+              <a:t>.</a:t>
+            </a:r>
+            <a:r>
+              <a:rPr lang="pt-BR" b="1" dirty="0" err="1" smtClean="0"/>
+              <a:t>form-group</a:t>
+            </a:r>
+            <a:endParaRPr lang="pt-BR" b="1" dirty="0" smtClean="0"/>
+          </a:p>
+          <a:p>
+            <a:pPr>
+              <a:buFont typeface="Arial" panose="020B0604020202020204" pitchFamily="34" charset="0"/>
+              <a:buChar char="•"/>
+            </a:pPr>
+            <a:r>
+              <a:rPr lang="pt-BR" b="1" dirty="0"/>
+              <a:t> </a:t>
+            </a:r>
+            <a:r>
+              <a:rPr lang="pt-BR" dirty="0" smtClean="0"/>
+              <a:t>Formulários em linha: classe </a:t>
+            </a:r>
+            <a:r>
+              <a:rPr lang="pt-BR" b="1" dirty="0" smtClean="0"/>
+              <a:t>.</a:t>
+            </a:r>
+            <a:r>
+              <a:rPr lang="pt-BR" b="1" dirty="0" err="1" smtClean="0"/>
+              <a:t>form-inline</a:t>
+            </a:r>
+            <a:endParaRPr lang="pt-BR" b="1" dirty="0" smtClean="0"/>
+          </a:p>
+          <a:p>
+            <a:pPr>
+              <a:buFont typeface="Arial" panose="020B0604020202020204" pitchFamily="34" charset="0"/>
+              <a:buChar char="•"/>
+            </a:pPr>
+            <a:r>
+              <a:rPr lang="pt-BR" b="1" dirty="0"/>
+              <a:t> </a:t>
+            </a:r>
+            <a:r>
+              <a:rPr lang="pt-BR" dirty="0"/>
+              <a:t>Formulários </a:t>
+            </a:r>
+            <a:r>
+              <a:rPr lang="pt-BR" dirty="0" smtClean="0"/>
+              <a:t>na horizontal: </a:t>
+            </a:r>
+            <a:r>
+              <a:rPr lang="pt-BR" dirty="0"/>
+              <a:t>classe </a:t>
+            </a:r>
+            <a:r>
+              <a:rPr lang="pt-BR" b="1" dirty="0"/>
+              <a:t>.</a:t>
+            </a:r>
+            <a:r>
+              <a:rPr lang="pt-BR" b="1" dirty="0" err="1" smtClean="0"/>
+              <a:t>form</a:t>
+            </a:r>
+            <a:r>
+              <a:rPr lang="pt-BR" b="1" dirty="0" smtClean="0"/>
+              <a:t>-horizontal</a:t>
+            </a:r>
+            <a:endParaRPr lang="pt-BR" dirty="0"/>
+          </a:p>
+          <a:p>
+            <a:pPr>
+              <a:buFont typeface="Arial" panose="020B0604020202020204" pitchFamily="34" charset="0"/>
+              <a:buChar char="•"/>
+            </a:pPr>
+            <a:endParaRPr lang="pt-BR" dirty="0"/>
+          </a:p>
+          <a:p>
+            <a:pPr marL="0" indent="0">
+              <a:buNone/>
+            </a:pPr>
+            <a:endParaRPr lang="pt-BR" dirty="0"/>
+          </a:p>
+        </p:txBody>
+      </p:sp>
+      <p:pic>
+        <p:nvPicPr>
+          <p:cNvPr id="7" name="Imagem 6"/>
+          <p:cNvPicPr>
+            <a:picLocks noChangeAspect="1"/>
+          </p:cNvPicPr>
+          <p:nvPr/>
+        </p:nvPicPr>
+        <p:blipFill>
+          <a:blip r:embed="rId2"/>
+          <a:stretch>
+            <a:fillRect/>
+          </a:stretch>
+        </p:blipFill>
+        <p:spPr>
+          <a:xfrm>
+            <a:off x="11037194" y="5543154"/>
+            <a:ext cx="1154806" cy="777824"/>
+          </a:xfrm>
+          <a:prstGeom prst="rect">
+            <a:avLst/>
+          </a:prstGeom>
+        </p:spPr>
+      </p:pic>
+    </p:spTree>
+    <p:extLst>
+      <p:ext uri="{BB962C8B-B14F-4D97-AF65-F5344CB8AC3E}">
+        <p14:creationId xmlns:p14="http://schemas.microsoft.com/office/powerpoint/2010/main" val="1942261958"/>
+      </p:ext>
+    </p:extLst>
+  </p:cSld>
+  <p:clrMapOvr>
+    <a:masterClrMapping/>
+  </p:clrMapOvr>
+  <p:timing>
+    <p:tnLst>
+      <p:par>
+        <p:cTn id="1" dur="indefinite" restart="never" nodeType="tmRoot"/>
+      </p:par>
+    </p:tnLst>
+  </p:timing>
+</p:sld>
+</file>
+
+<file path=ppt/slides/slide11.xml><?xml version="1.0" encoding="utf-8"?>
+<p:sld xmlns:a="http://schemas.openxmlformats.org/drawingml/2006/main" xmlns:r="http://schemas.openxmlformats.org/officeDocument/2006/relationships" xmlns:p="http://schemas.openxmlformats.org/presentationml/2006/main">
+  <p:cSld>
+    <p:spTree>
+      <p:nvGrpSpPr>
+        <p:cNvPr id="1" name=""/>
+        <p:cNvGrpSpPr/>
+        <p:nvPr/>
+      </p:nvGrpSpPr>
+      <p:grpSpPr>
+        <a:xfrm>
+          <a:off x="0" y="0"/>
+          <a:ext cx="0" cy="0"/>
+          <a:chOff x="0" y="0"/>
+          <a:chExt cx="0" cy="0"/>
+        </a:xfrm>
+      </p:grpSpPr>
+      <p:sp>
+        <p:nvSpPr>
+          <p:cNvPr id="2" name="Título 1"/>
+          <p:cNvSpPr>
+            <a:spLocks noGrp="1"/>
+          </p:cNvSpPr>
+          <p:nvPr>
+            <p:ph type="title"/>
+          </p:nvPr>
+        </p:nvSpPr>
+        <p:spPr>
+          <a:xfrm>
+            <a:off x="1097280" y="940158"/>
+            <a:ext cx="10058400" cy="771445"/>
+          </a:xfrm>
+        </p:spPr>
+        <p:txBody>
+          <a:bodyPr/>
+          <a:lstStyle/>
+          <a:p>
+            <a:pPr algn="ctr"/>
+            <a:r>
+              <a:rPr lang="pt-BR" dirty="0" smtClean="0"/>
+              <a:t>Formulário - Exemplo</a:t>
+            </a:r>
+            <a:endParaRPr lang="pt-BR" dirty="0"/>
+          </a:p>
+        </p:txBody>
+      </p:sp>
+      <p:pic>
+        <p:nvPicPr>
+          <p:cNvPr id="10" name="Imagem 9"/>
+          <p:cNvPicPr>
+            <a:picLocks noChangeAspect="1"/>
+          </p:cNvPicPr>
+          <p:nvPr/>
+        </p:nvPicPr>
+        <p:blipFill>
+          <a:blip r:embed="rId2"/>
+          <a:stretch>
+            <a:fillRect/>
+          </a:stretch>
+        </p:blipFill>
+        <p:spPr>
+          <a:xfrm>
+            <a:off x="11037194" y="5543154"/>
+            <a:ext cx="1154806" cy="777824"/>
+          </a:xfrm>
+          <a:prstGeom prst="rect">
+            <a:avLst/>
+          </a:prstGeom>
+        </p:spPr>
+      </p:pic>
+      <p:pic>
+        <p:nvPicPr>
+          <p:cNvPr id="3" name="Imagem 2"/>
+          <p:cNvPicPr>
+            <a:picLocks noChangeAspect="1"/>
+          </p:cNvPicPr>
+          <p:nvPr/>
+        </p:nvPicPr>
+        <p:blipFill>
+          <a:blip r:embed="rId3"/>
+          <a:stretch>
+            <a:fillRect/>
+          </a:stretch>
+        </p:blipFill>
+        <p:spPr>
+          <a:xfrm>
+            <a:off x="5074074" y="1895304"/>
+            <a:ext cx="6897732" cy="3464149"/>
+          </a:xfrm>
+          <a:prstGeom prst="rect">
+            <a:avLst/>
+          </a:prstGeom>
+        </p:spPr>
+      </p:pic>
+      <p:pic>
+        <p:nvPicPr>
+          <p:cNvPr id="6" name="Imagem 5"/>
+          <p:cNvPicPr>
+            <a:picLocks noChangeAspect="1"/>
+          </p:cNvPicPr>
+          <p:nvPr/>
+        </p:nvPicPr>
+        <p:blipFill>
+          <a:blip r:embed="rId4"/>
+          <a:stretch>
+            <a:fillRect/>
+          </a:stretch>
+        </p:blipFill>
+        <p:spPr>
+          <a:xfrm>
+            <a:off x="330624" y="2307330"/>
+            <a:ext cx="4743450" cy="2114550"/>
+          </a:xfrm>
+          <a:prstGeom prst="rect">
+            <a:avLst/>
+          </a:prstGeom>
+        </p:spPr>
+      </p:pic>
+    </p:spTree>
+    <p:extLst>
+      <p:ext uri="{BB962C8B-B14F-4D97-AF65-F5344CB8AC3E}">
+        <p14:creationId xmlns:p14="http://schemas.microsoft.com/office/powerpoint/2010/main" val="4193205609"/>
+      </p:ext>
+    </p:extLst>
+  </p:cSld>
+  <p:clrMapOvr>
+    <a:masterClrMapping/>
+  </p:clrMapOvr>
+  <p:timing>
+    <p:tnLst>
+      <p:par>
+        <p:cTn id="1" dur="indefinite" restart="never" nodeType="tmRoot"/>
+      </p:par>
+    </p:tnLst>
+  </p:timing>
+</p:sld>
+</file>
+
+<file path=ppt/slides/slide12.xml><?xml version="1.0" encoding="utf-8"?>
+<p:sld xmlns:a="http://schemas.openxmlformats.org/drawingml/2006/main" xmlns:r="http://schemas.openxmlformats.org/officeDocument/2006/relationships" xmlns:p="http://schemas.openxmlformats.org/presentationml/2006/main">
+  <p:cSld>
+    <p:spTree>
+      <p:nvGrpSpPr>
+        <p:cNvPr id="1" name=""/>
+        <p:cNvGrpSpPr/>
+        <p:nvPr/>
+      </p:nvGrpSpPr>
+      <p:grpSpPr>
+        <a:xfrm>
+          <a:off x="0" y="0"/>
+          <a:ext cx="0" cy="0"/>
+          <a:chOff x="0" y="0"/>
+          <a:chExt cx="0" cy="0"/>
+        </a:xfrm>
+      </p:grpSpPr>
+      <p:sp>
+        <p:nvSpPr>
+          <p:cNvPr id="2" name="Título 1"/>
+          <p:cNvSpPr>
+            <a:spLocks noGrp="1"/>
+          </p:cNvSpPr>
+          <p:nvPr>
+            <p:ph type="title"/>
+          </p:nvPr>
+        </p:nvSpPr>
+        <p:spPr>
+          <a:xfrm>
+            <a:off x="1151508" y="927279"/>
+            <a:ext cx="10058400" cy="771445"/>
+          </a:xfrm>
+        </p:spPr>
+        <p:txBody>
+          <a:bodyPr/>
+          <a:lstStyle/>
+          <a:p>
+            <a:pPr algn="ctr"/>
+            <a:r>
+              <a:rPr lang="pt-BR" dirty="0" smtClean="0"/>
+              <a:t>Tabelas</a:t>
+            </a:r>
+            <a:endParaRPr lang="pt-BR" dirty="0"/>
+          </a:p>
+        </p:txBody>
+      </p:sp>
+      <p:sp>
+        <p:nvSpPr>
+          <p:cNvPr id="6" name="Espaço Reservado para Conteúdo 2"/>
+          <p:cNvSpPr txBox="1">
+            <a:spLocks/>
+          </p:cNvSpPr>
+          <p:nvPr/>
+        </p:nvSpPr>
+        <p:spPr>
+          <a:xfrm>
+            <a:off x="1097280" y="1845734"/>
+            <a:ext cx="10112628" cy="4490672"/>
+          </a:xfrm>
+          <a:prstGeom prst="rect">
+            <a:avLst/>
+          </a:prstGeom>
+        </p:spPr>
+        <p:txBody>
+          <a:bodyPr vert="horz" lIns="0" tIns="45720" rIns="0" bIns="45720" rtlCol="0">
+            <a:normAutofit/>
+          </a:bodyPr>
+          <a:lstStyle>
+            <a:lvl1pPr marL="91440" indent="-91440" algn="l" defTabSz="914400" rtl="0" eaLnBrk="1" latinLnBrk="0" hangingPunct="1">
+              <a:lnSpc>
+                <a:spcPct val="90000"/>
+              </a:lnSpc>
+              <a:spcBef>
+                <a:spcPts val="1200"/>
+              </a:spcBef>
+              <a:spcAft>
+                <a:spcPts val="200"/>
+              </a:spcAft>
+              <a:buClr>
+                <a:schemeClr val="accent1"/>
+              </a:buClr>
+              <a:buSzPct val="100000"/>
+              <a:buFont typeface="Calibri" panose="020F0502020204030204" pitchFamily="34" charset="0"/>
+              <a:buChar char=" "/>
+              <a:defRPr sz="2000" kern="1200">
+                <a:solidFill>
+                  <a:schemeClr val="tx1">
+                    <a:lumMod val="75000"/>
+                    <a:lumOff val="25000"/>
+                  </a:schemeClr>
+                </a:solidFill>
+                <a:latin typeface="+mn-lt"/>
+                <a:ea typeface="+mn-ea"/>
+                <a:cs typeface="+mn-cs"/>
+              </a:defRPr>
+            </a:lvl1pPr>
+            <a:lvl2pPr marL="384048" indent="-182880" algn="l" defTabSz="914400" rtl="0" eaLnBrk="1" latinLnBrk="0" hangingPunct="1">
+              <a:lnSpc>
+                <a:spcPct val="90000"/>
+              </a:lnSpc>
+              <a:spcBef>
+                <a:spcPts val="200"/>
+              </a:spcBef>
+              <a:spcAft>
+                <a:spcPts val="400"/>
+              </a:spcAft>
+              <a:buClr>
+                <a:schemeClr val="accent1"/>
+              </a:buClr>
+              <a:buFont typeface="Calibri" pitchFamily="34" charset="0"/>
+              <a:buChar char="◦"/>
+              <a:defRPr sz="1800" kern="1200">
+                <a:solidFill>
+                  <a:schemeClr val="tx1">
+                    <a:lumMod val="75000"/>
+                    <a:lumOff val="25000"/>
+                  </a:schemeClr>
+                </a:solidFill>
+                <a:latin typeface="+mn-lt"/>
+                <a:ea typeface="+mn-ea"/>
+                <a:cs typeface="+mn-cs"/>
+              </a:defRPr>
+            </a:lvl2pPr>
+            <a:lvl3pPr marL="566928" indent="-182880" algn="l" defTabSz="914400" rtl="0" eaLnBrk="1" latinLnBrk="0" hangingPunct="1">
+              <a:lnSpc>
+                <a:spcPct val="90000"/>
+              </a:lnSpc>
+              <a:spcBef>
+                <a:spcPts val="200"/>
+              </a:spcBef>
+              <a:spcAft>
+                <a:spcPts val="400"/>
+              </a:spcAft>
+              <a:buClr>
+                <a:schemeClr val="accent1"/>
+              </a:buClr>
+              <a:buFont typeface="Calibri" pitchFamily="34" charset="0"/>
+              <a:buChar char="◦"/>
+              <a:defRPr sz="1400" kern="1200">
+                <a:solidFill>
+                  <a:schemeClr val="tx1">
+                    <a:lumMod val="75000"/>
+                    <a:lumOff val="25000"/>
+                  </a:schemeClr>
+                </a:solidFill>
+                <a:latin typeface="+mn-lt"/>
+                <a:ea typeface="+mn-ea"/>
+                <a:cs typeface="+mn-cs"/>
+              </a:defRPr>
+            </a:lvl3pPr>
+            <a:lvl4pPr marL="749808" indent="-182880" algn="l" defTabSz="914400" rtl="0" eaLnBrk="1" latinLnBrk="0" hangingPunct="1">
+              <a:lnSpc>
+                <a:spcPct val="90000"/>
+              </a:lnSpc>
+              <a:spcBef>
+                <a:spcPts val="200"/>
+              </a:spcBef>
+              <a:spcAft>
+                <a:spcPts val="400"/>
+              </a:spcAft>
+              <a:buClr>
+                <a:schemeClr val="accent1"/>
+              </a:buClr>
+              <a:buFont typeface="Calibri" pitchFamily="34" charset="0"/>
+              <a:buChar char="◦"/>
+              <a:defRPr sz="1400" kern="1200">
+                <a:solidFill>
+                  <a:schemeClr val="tx1">
+                    <a:lumMod val="75000"/>
+                    <a:lumOff val="25000"/>
+                  </a:schemeClr>
+                </a:solidFill>
+                <a:latin typeface="+mn-lt"/>
+                <a:ea typeface="+mn-ea"/>
+                <a:cs typeface="+mn-cs"/>
+              </a:defRPr>
+            </a:lvl4pPr>
+            <a:lvl5pPr marL="932688" indent="-182880" algn="l" defTabSz="914400" rtl="0" eaLnBrk="1" latinLnBrk="0" hangingPunct="1">
+              <a:lnSpc>
+                <a:spcPct val="90000"/>
+              </a:lnSpc>
+              <a:spcBef>
+                <a:spcPts val="200"/>
+              </a:spcBef>
+              <a:spcAft>
+                <a:spcPts val="400"/>
+              </a:spcAft>
+              <a:buClr>
+                <a:schemeClr val="accent1"/>
+              </a:buClr>
+              <a:buFont typeface="Calibri" pitchFamily="34" charset="0"/>
+              <a:buChar char="◦"/>
+              <a:defRPr sz="1400" kern="1200">
+                <a:solidFill>
+                  <a:schemeClr val="tx1">
+                    <a:lumMod val="75000"/>
+                    <a:lumOff val="25000"/>
+                  </a:schemeClr>
+                </a:solidFill>
+                <a:latin typeface="+mn-lt"/>
+                <a:ea typeface="+mn-ea"/>
+                <a:cs typeface="+mn-cs"/>
+              </a:defRPr>
+            </a:lvl5pPr>
+            <a:lvl6pPr marL="1100000" indent="-228600" algn="l" defTabSz="914400" rtl="0" eaLnBrk="1" latinLnBrk="0" hangingPunct="1">
+              <a:lnSpc>
+                <a:spcPct val="90000"/>
+              </a:lnSpc>
+              <a:spcBef>
+                <a:spcPts val="200"/>
+              </a:spcBef>
+              <a:spcAft>
+                <a:spcPts val="400"/>
+              </a:spcAft>
+              <a:buClr>
+                <a:schemeClr val="accent1"/>
+              </a:buClr>
+              <a:buFont typeface="Calibri" pitchFamily="34" charset="0"/>
+              <a:buChar char="◦"/>
+              <a:defRPr sz="1400" kern="1200">
+                <a:solidFill>
+                  <a:schemeClr val="tx1">
+                    <a:lumMod val="75000"/>
+                    <a:lumOff val="25000"/>
+                  </a:schemeClr>
+                </a:solidFill>
+                <a:latin typeface="+mn-lt"/>
+                <a:ea typeface="+mn-ea"/>
+                <a:cs typeface="+mn-cs"/>
+              </a:defRPr>
+            </a:lvl6pPr>
+            <a:lvl7pPr marL="1300000" indent="-228600" algn="l" defTabSz="914400" rtl="0" eaLnBrk="1" latinLnBrk="0" hangingPunct="1">
+              <a:lnSpc>
+                <a:spcPct val="90000"/>
+              </a:lnSpc>
+              <a:spcBef>
+                <a:spcPts val="200"/>
+              </a:spcBef>
+              <a:spcAft>
+                <a:spcPts val="400"/>
+              </a:spcAft>
+              <a:buClr>
+                <a:schemeClr val="accent1"/>
+              </a:buClr>
+              <a:buFont typeface="Calibri" pitchFamily="34" charset="0"/>
+              <a:buChar char="◦"/>
+              <a:defRPr sz="1400" kern="1200">
+                <a:solidFill>
+                  <a:schemeClr val="tx1">
+                    <a:lumMod val="75000"/>
+                    <a:lumOff val="25000"/>
+                  </a:schemeClr>
+                </a:solidFill>
+                <a:latin typeface="+mn-lt"/>
+                <a:ea typeface="+mn-ea"/>
+                <a:cs typeface="+mn-cs"/>
+              </a:defRPr>
+            </a:lvl7pPr>
+            <a:lvl8pPr marL="1500000" indent="-228600" algn="l" defTabSz="914400" rtl="0" eaLnBrk="1" latinLnBrk="0" hangingPunct="1">
+              <a:lnSpc>
+                <a:spcPct val="90000"/>
+              </a:lnSpc>
+              <a:spcBef>
+                <a:spcPts val="200"/>
+              </a:spcBef>
+              <a:spcAft>
+                <a:spcPts val="400"/>
+              </a:spcAft>
+              <a:buClr>
+                <a:schemeClr val="accent1"/>
+              </a:buClr>
+              <a:buFont typeface="Calibri" pitchFamily="34" charset="0"/>
+              <a:buChar char="◦"/>
+              <a:defRPr sz="1400" kern="1200">
+                <a:solidFill>
+                  <a:schemeClr val="tx1">
+                    <a:lumMod val="75000"/>
+                    <a:lumOff val="25000"/>
+                  </a:schemeClr>
+                </a:solidFill>
+                <a:latin typeface="+mn-lt"/>
+                <a:ea typeface="+mn-ea"/>
+                <a:cs typeface="+mn-cs"/>
+              </a:defRPr>
+            </a:lvl8pPr>
+            <a:lvl9pPr marL="1700000" indent="-228600" algn="l" defTabSz="914400" rtl="0" eaLnBrk="1" latinLnBrk="0" hangingPunct="1">
+              <a:lnSpc>
+                <a:spcPct val="90000"/>
+              </a:lnSpc>
+              <a:spcBef>
+                <a:spcPts val="200"/>
+              </a:spcBef>
+              <a:spcAft>
+                <a:spcPts val="400"/>
+              </a:spcAft>
+              <a:buClr>
+                <a:schemeClr val="accent1"/>
+              </a:buClr>
+              <a:buFont typeface="Calibri" pitchFamily="34" charset="0"/>
+              <a:buChar char="◦"/>
+              <a:defRPr sz="1400" kern="1200">
+                <a:solidFill>
+                  <a:schemeClr val="tx1">
+                    <a:lumMod val="75000"/>
+                    <a:lumOff val="25000"/>
+                  </a:schemeClr>
+                </a:solidFill>
+                <a:latin typeface="+mn-lt"/>
+                <a:ea typeface="+mn-ea"/>
+                <a:cs typeface="+mn-cs"/>
+              </a:defRPr>
+            </a:lvl9pPr>
+          </a:lstStyle>
+          <a:p>
+            <a:pPr>
+              <a:buFont typeface="Arial" panose="020B0604020202020204" pitchFamily="34" charset="0"/>
+              <a:buChar char="•"/>
+            </a:pPr>
+            <a:r>
+              <a:rPr lang="pt-BR" dirty="0" smtClean="0"/>
+              <a:t> Tabelas são chamados pela class</a:t>
+            </a:r>
+            <a:r>
+              <a:rPr lang="pt-BR" dirty="0"/>
+              <a:t>e</a:t>
+            </a:r>
+            <a:r>
+              <a:rPr lang="pt-BR" dirty="0" smtClean="0"/>
+              <a:t> </a:t>
+            </a:r>
+            <a:r>
+              <a:rPr lang="pt-BR" b="1" dirty="0" smtClean="0"/>
+              <a:t>.</a:t>
+            </a:r>
+            <a:r>
+              <a:rPr lang="pt-BR" b="1" dirty="0" err="1" smtClean="0"/>
+              <a:t>table</a:t>
+            </a:r>
+            <a:endParaRPr lang="pt-BR" b="1" dirty="0" smtClean="0"/>
+          </a:p>
+          <a:p>
+            <a:pPr>
+              <a:buFont typeface="Arial" panose="020B0604020202020204" pitchFamily="34" charset="0"/>
+              <a:buChar char="•"/>
+            </a:pPr>
+            <a:r>
+              <a:rPr lang="pt-BR" dirty="0" smtClean="0"/>
+              <a:t> As tabelas possuem vários tipos de estilos tais como, </a:t>
+            </a:r>
+            <a:r>
+              <a:rPr lang="pt-BR" b="1" dirty="0" smtClean="0"/>
+              <a:t>.</a:t>
+            </a:r>
+            <a:r>
+              <a:rPr lang="pt-BR" b="1" dirty="0" err="1" smtClean="0"/>
+              <a:t>table-striped</a:t>
+            </a:r>
+            <a:r>
+              <a:rPr lang="pt-BR" dirty="0" smtClean="0"/>
+              <a:t>(linhas listradas),</a:t>
+            </a:r>
+            <a:r>
+              <a:rPr lang="pt-BR" b="1" dirty="0" smtClean="0"/>
+              <a:t> .</a:t>
+            </a:r>
+            <a:r>
+              <a:rPr lang="pt-BR" b="1" dirty="0" err="1" smtClean="0"/>
+              <a:t>table-borderead</a:t>
+            </a:r>
+            <a:r>
+              <a:rPr lang="pt-BR" dirty="0" smtClean="0"/>
+              <a:t>(adiciona borda em toda tabela), </a:t>
+            </a:r>
+            <a:r>
+              <a:rPr lang="pt-BR" b="1" dirty="0" smtClean="0"/>
+              <a:t>.</a:t>
+            </a:r>
+            <a:r>
+              <a:rPr lang="pt-BR" b="1" dirty="0" err="1" smtClean="0"/>
+              <a:t>table-hover</a:t>
+            </a:r>
+            <a:r>
+              <a:rPr lang="pt-BR" dirty="0" smtClean="0"/>
+              <a:t>(foca a linha ao passar o mouse) e </a:t>
+            </a:r>
+            <a:r>
+              <a:rPr lang="pt-BR" b="1" dirty="0" smtClean="0"/>
+              <a:t>.</a:t>
+            </a:r>
+            <a:r>
+              <a:rPr lang="pt-BR" b="1" dirty="0" err="1" smtClean="0"/>
+              <a:t>table-condensed</a:t>
+            </a:r>
+            <a:r>
+              <a:rPr lang="pt-BR" dirty="0" smtClean="0"/>
+              <a:t>(adiciona borda apenas na parte inferior da linha).</a:t>
+            </a:r>
+          </a:p>
+          <a:p>
+            <a:pPr>
+              <a:buFont typeface="Arial" panose="020B0604020202020204" pitchFamily="34" charset="0"/>
+              <a:buChar char="•"/>
+            </a:pPr>
+            <a:endParaRPr lang="pt-BR" dirty="0"/>
+          </a:p>
+          <a:p>
+            <a:pPr marL="0" indent="0">
+              <a:buNone/>
+            </a:pPr>
+            <a:endParaRPr lang="pt-BR" dirty="0"/>
+          </a:p>
+        </p:txBody>
+      </p:sp>
+      <p:pic>
+        <p:nvPicPr>
+          <p:cNvPr id="7" name="Imagem 6"/>
+          <p:cNvPicPr>
+            <a:picLocks noChangeAspect="1"/>
+          </p:cNvPicPr>
+          <p:nvPr/>
+        </p:nvPicPr>
+        <p:blipFill>
+          <a:blip r:embed="rId2"/>
+          <a:stretch>
+            <a:fillRect/>
+          </a:stretch>
+        </p:blipFill>
+        <p:spPr>
+          <a:xfrm>
+            <a:off x="11037194" y="5543154"/>
+            <a:ext cx="1154806" cy="777824"/>
+          </a:xfrm>
+          <a:prstGeom prst="rect">
+            <a:avLst/>
+          </a:prstGeom>
+        </p:spPr>
+      </p:pic>
+    </p:spTree>
+    <p:extLst>
+      <p:ext uri="{BB962C8B-B14F-4D97-AF65-F5344CB8AC3E}">
+        <p14:creationId xmlns:p14="http://schemas.microsoft.com/office/powerpoint/2010/main" val="1852289992"/>
+      </p:ext>
+    </p:extLst>
+  </p:cSld>
+  <p:clrMapOvr>
+    <a:masterClrMapping/>
+  </p:clrMapOvr>
+  <p:timing>
+    <p:tnLst>
+      <p:par>
+        <p:cTn id="1" dur="indefinite" restart="never" nodeType="tmRoot"/>
+      </p:par>
+    </p:tnLst>
+  </p:timing>
+</p:sld>
+</file>
+
+<file path=ppt/slides/slide13.xml><?xml version="1.0" encoding="utf-8"?>
+<p:sld xmlns:a="http://schemas.openxmlformats.org/drawingml/2006/main" xmlns:r="http://schemas.openxmlformats.org/officeDocument/2006/relationships" xmlns:p="http://schemas.openxmlformats.org/presentationml/2006/main">
+  <p:cSld>
+    <p:spTree>
+      <p:nvGrpSpPr>
+        <p:cNvPr id="1" name=""/>
+        <p:cNvGrpSpPr/>
+        <p:nvPr/>
+      </p:nvGrpSpPr>
+      <p:grpSpPr>
+        <a:xfrm>
+          <a:off x="0" y="0"/>
+          <a:ext cx="0" cy="0"/>
+          <a:chOff x="0" y="0"/>
+          <a:chExt cx="0" cy="0"/>
+        </a:xfrm>
+      </p:grpSpPr>
+      <p:sp>
+        <p:nvSpPr>
+          <p:cNvPr id="2" name="Título 1"/>
+          <p:cNvSpPr>
+            <a:spLocks noGrp="1"/>
+          </p:cNvSpPr>
+          <p:nvPr>
+            <p:ph type="title"/>
+          </p:nvPr>
+        </p:nvSpPr>
+        <p:spPr>
+          <a:xfrm>
+            <a:off x="1097280" y="940158"/>
+            <a:ext cx="10058400" cy="771445"/>
+          </a:xfrm>
+        </p:spPr>
+        <p:txBody>
+          <a:bodyPr/>
+          <a:lstStyle/>
+          <a:p>
+            <a:pPr algn="ctr"/>
+            <a:r>
+              <a:rPr lang="pt-BR" dirty="0" smtClean="0"/>
+              <a:t>Tabelas - Exemplos</a:t>
+            </a:r>
+            <a:endParaRPr lang="pt-BR" dirty="0"/>
+          </a:p>
+        </p:txBody>
+      </p:sp>
+      <p:pic>
+        <p:nvPicPr>
+          <p:cNvPr id="10" name="Imagem 9"/>
+          <p:cNvPicPr>
+            <a:picLocks noChangeAspect="1"/>
+          </p:cNvPicPr>
+          <p:nvPr/>
+        </p:nvPicPr>
+        <p:blipFill>
+          <a:blip r:embed="rId2"/>
+          <a:stretch>
+            <a:fillRect/>
+          </a:stretch>
+        </p:blipFill>
+        <p:spPr>
+          <a:xfrm>
+            <a:off x="11037194" y="5543154"/>
+            <a:ext cx="1154806" cy="777824"/>
+          </a:xfrm>
+          <a:prstGeom prst="rect">
+            <a:avLst/>
+          </a:prstGeom>
+        </p:spPr>
+      </p:pic>
+      <p:pic>
+        <p:nvPicPr>
+          <p:cNvPr id="4" name="Imagem 3"/>
+          <p:cNvPicPr>
+            <a:picLocks noChangeAspect="1"/>
+          </p:cNvPicPr>
+          <p:nvPr/>
+        </p:nvPicPr>
+        <p:blipFill>
+          <a:blip r:embed="rId3"/>
+          <a:stretch>
+            <a:fillRect/>
+          </a:stretch>
+        </p:blipFill>
+        <p:spPr>
+          <a:xfrm>
+            <a:off x="90958" y="1830276"/>
+            <a:ext cx="4076700" cy="4400550"/>
+          </a:xfrm>
+          <a:prstGeom prst="rect">
+            <a:avLst/>
+          </a:prstGeom>
+        </p:spPr>
+      </p:pic>
+      <p:pic>
+        <p:nvPicPr>
+          <p:cNvPr id="5" name="Imagem 4"/>
+          <p:cNvPicPr>
+            <a:picLocks noChangeAspect="1"/>
+          </p:cNvPicPr>
+          <p:nvPr/>
+        </p:nvPicPr>
+        <p:blipFill>
+          <a:blip r:embed="rId4"/>
+          <a:stretch>
+            <a:fillRect/>
+          </a:stretch>
+        </p:blipFill>
+        <p:spPr>
+          <a:xfrm>
+            <a:off x="3232597" y="1830276"/>
+            <a:ext cx="8959403" cy="1423986"/>
+          </a:xfrm>
+          <a:prstGeom prst="rect">
+            <a:avLst/>
+          </a:prstGeom>
+        </p:spPr>
+      </p:pic>
+      <p:pic>
+        <p:nvPicPr>
+          <p:cNvPr id="8" name="Imagem 7"/>
+          <p:cNvPicPr>
+            <a:picLocks noChangeAspect="1"/>
+          </p:cNvPicPr>
+          <p:nvPr/>
+        </p:nvPicPr>
+        <p:blipFill>
+          <a:blip r:embed="rId5"/>
+          <a:stretch>
+            <a:fillRect/>
+          </a:stretch>
+        </p:blipFill>
+        <p:spPr>
+          <a:xfrm>
+            <a:off x="3232596" y="3389998"/>
+            <a:ext cx="8959403" cy="1352545"/>
+          </a:xfrm>
+          <a:prstGeom prst="rect">
+            <a:avLst/>
+          </a:prstGeom>
+        </p:spPr>
+      </p:pic>
+      <p:pic>
+        <p:nvPicPr>
+          <p:cNvPr id="9" name="Imagem 8"/>
+          <p:cNvPicPr>
+            <a:picLocks noChangeAspect="1"/>
+          </p:cNvPicPr>
+          <p:nvPr/>
+        </p:nvPicPr>
+        <p:blipFill>
+          <a:blip r:embed="rId6"/>
+          <a:stretch>
+            <a:fillRect/>
+          </a:stretch>
+        </p:blipFill>
+        <p:spPr>
+          <a:xfrm>
+            <a:off x="3232596" y="4959791"/>
+            <a:ext cx="7771156" cy="1053787"/>
+          </a:xfrm>
+          <a:prstGeom prst="rect">
+            <a:avLst/>
+          </a:prstGeom>
+        </p:spPr>
+      </p:pic>
+    </p:spTree>
+    <p:extLst>
+      <p:ext uri="{BB962C8B-B14F-4D97-AF65-F5344CB8AC3E}">
+        <p14:creationId xmlns:p14="http://schemas.microsoft.com/office/powerpoint/2010/main" val="215092401"/>
+      </p:ext>
+    </p:extLst>
+  </p:cSld>
+  <p:clrMapOvr>
+    <a:masterClrMapping/>
+  </p:clrMapOvr>
+  <p:timing>
+    <p:tnLst>
+      <p:par>
+        <p:cTn id="1" dur="indefinite" restart="never" nodeType="tmRoot"/>
+      </p:par>
+    </p:tnLst>
+  </p:timing>
+</p:sld>
+</file>
+
+<file path=ppt/slides/slide14.xml><?xml version="1.0" encoding="utf-8"?>
+<p:sld xmlns:a="http://schemas.openxmlformats.org/drawingml/2006/main" xmlns:r="http://schemas.openxmlformats.org/officeDocument/2006/relationships" xmlns:p="http://schemas.openxmlformats.org/presentationml/2006/main">
+  <p:cSld>
+    <p:spTree>
+      <p:nvGrpSpPr>
+        <p:cNvPr id="1" name=""/>
+        <p:cNvGrpSpPr/>
+        <p:nvPr/>
+      </p:nvGrpSpPr>
+      <p:grpSpPr>
+        <a:xfrm>
+          <a:off x="0" y="0"/>
+          <a:ext cx="0" cy="0"/>
+          <a:chOff x="0" y="0"/>
+          <a:chExt cx="0" cy="0"/>
+        </a:xfrm>
+      </p:grpSpPr>
+      <p:pic>
+        <p:nvPicPr>
+          <p:cNvPr id="7" name="Imagem 6"/>
+          <p:cNvPicPr>
+            <a:picLocks noChangeAspect="1"/>
+          </p:cNvPicPr>
+          <p:nvPr/>
+        </p:nvPicPr>
+        <p:blipFill>
+          <a:blip r:embed="rId2"/>
+          <a:stretch>
+            <a:fillRect/>
+          </a:stretch>
+        </p:blipFill>
+        <p:spPr>
+          <a:xfrm>
+            <a:off x="11037194" y="5543154"/>
+            <a:ext cx="1154806" cy="777824"/>
+          </a:xfrm>
+          <a:prstGeom prst="rect">
+            <a:avLst/>
+          </a:prstGeom>
+        </p:spPr>
+      </p:pic>
+      <p:sp>
+        <p:nvSpPr>
+          <p:cNvPr id="5" name="Subtítulo 2"/>
+          <p:cNvSpPr txBox="1">
+            <a:spLocks/>
+          </p:cNvSpPr>
+          <p:nvPr/>
+        </p:nvSpPr>
+        <p:spPr>
+          <a:xfrm>
+            <a:off x="1125808" y="4069254"/>
+            <a:ext cx="10058400" cy="1692437"/>
+          </a:xfrm>
+          <a:prstGeom prst="rect">
+            <a:avLst/>
+          </a:prstGeom>
+        </p:spPr>
+        <p:txBody>
+          <a:bodyPr vert="horz" lIns="0" tIns="45720" rIns="0" bIns="45720" rtlCol="0">
+            <a:noAutofit/>
+          </a:bodyPr>
+          <a:lstStyle>
+            <a:lvl1pPr marL="91440" indent="-91440" algn="l" defTabSz="914400" rtl="0" eaLnBrk="1" latinLnBrk="0" hangingPunct="1">
+              <a:lnSpc>
+                <a:spcPct val="90000"/>
+              </a:lnSpc>
+              <a:spcBef>
+                <a:spcPts val="1200"/>
+              </a:spcBef>
+              <a:spcAft>
+                <a:spcPts val="200"/>
+              </a:spcAft>
+              <a:buClr>
+                <a:schemeClr val="accent1"/>
+              </a:buClr>
+              <a:buSzPct val="100000"/>
+              <a:buFont typeface="Calibri" panose="020F0502020204030204" pitchFamily="34" charset="0"/>
+              <a:buChar char=" "/>
+              <a:defRPr sz="2000" kern="1200">
+                <a:solidFill>
+                  <a:schemeClr val="tx1">
+                    <a:lumMod val="75000"/>
+                    <a:lumOff val="25000"/>
+                  </a:schemeClr>
+                </a:solidFill>
+                <a:latin typeface="+mn-lt"/>
+                <a:ea typeface="+mn-ea"/>
+                <a:cs typeface="+mn-cs"/>
+              </a:defRPr>
+            </a:lvl1pPr>
+            <a:lvl2pPr marL="384048" indent="-182880" algn="l" defTabSz="914400" rtl="0" eaLnBrk="1" latinLnBrk="0" hangingPunct="1">
+              <a:lnSpc>
+                <a:spcPct val="90000"/>
+              </a:lnSpc>
+              <a:spcBef>
+                <a:spcPts val="200"/>
+              </a:spcBef>
+              <a:spcAft>
+                <a:spcPts val="400"/>
+              </a:spcAft>
+              <a:buClr>
+                <a:schemeClr val="accent1"/>
+              </a:buClr>
+              <a:buFont typeface="Calibri" pitchFamily="34" charset="0"/>
+              <a:buChar char="◦"/>
+              <a:defRPr sz="1800" kern="1200">
+                <a:solidFill>
+                  <a:schemeClr val="tx1">
+                    <a:lumMod val="75000"/>
+                    <a:lumOff val="25000"/>
+                  </a:schemeClr>
+                </a:solidFill>
+                <a:latin typeface="+mn-lt"/>
+                <a:ea typeface="+mn-ea"/>
+                <a:cs typeface="+mn-cs"/>
+              </a:defRPr>
+            </a:lvl2pPr>
+            <a:lvl3pPr marL="566928" indent="-182880" algn="l" defTabSz="914400" rtl="0" eaLnBrk="1" latinLnBrk="0" hangingPunct="1">
+              <a:lnSpc>
+                <a:spcPct val="90000"/>
+              </a:lnSpc>
+              <a:spcBef>
+                <a:spcPts val="200"/>
+              </a:spcBef>
+              <a:spcAft>
+                <a:spcPts val="400"/>
+              </a:spcAft>
+              <a:buClr>
+                <a:schemeClr val="accent1"/>
+              </a:buClr>
+              <a:buFont typeface="Calibri" pitchFamily="34" charset="0"/>
+              <a:buChar char="◦"/>
+              <a:defRPr sz="1400" kern="1200">
+                <a:solidFill>
+                  <a:schemeClr val="tx1">
+                    <a:lumMod val="75000"/>
+                    <a:lumOff val="25000"/>
+                  </a:schemeClr>
+                </a:solidFill>
+                <a:latin typeface="+mn-lt"/>
+                <a:ea typeface="+mn-ea"/>
+                <a:cs typeface="+mn-cs"/>
+              </a:defRPr>
+            </a:lvl3pPr>
+            <a:lvl4pPr marL="749808" indent="-182880" algn="l" defTabSz="914400" rtl="0" eaLnBrk="1" latinLnBrk="0" hangingPunct="1">
+              <a:lnSpc>
+                <a:spcPct val="90000"/>
+              </a:lnSpc>
+              <a:spcBef>
+                <a:spcPts val="200"/>
+              </a:spcBef>
+              <a:spcAft>
+                <a:spcPts val="400"/>
+              </a:spcAft>
+              <a:buClr>
+                <a:schemeClr val="accent1"/>
+              </a:buClr>
+              <a:buFont typeface="Calibri" pitchFamily="34" charset="0"/>
+              <a:buChar char="◦"/>
+              <a:defRPr sz="1400" kern="1200">
+                <a:solidFill>
+                  <a:schemeClr val="tx1">
+                    <a:lumMod val="75000"/>
+                    <a:lumOff val="25000"/>
+                  </a:schemeClr>
+                </a:solidFill>
+                <a:latin typeface="+mn-lt"/>
+                <a:ea typeface="+mn-ea"/>
+                <a:cs typeface="+mn-cs"/>
+              </a:defRPr>
+            </a:lvl4pPr>
+            <a:lvl5pPr marL="932688" indent="-182880" algn="l" defTabSz="914400" rtl="0" eaLnBrk="1" latinLnBrk="0" hangingPunct="1">
+              <a:lnSpc>
+                <a:spcPct val="90000"/>
+              </a:lnSpc>
+              <a:spcBef>
+                <a:spcPts val="200"/>
+              </a:spcBef>
+              <a:spcAft>
+                <a:spcPts val="400"/>
+              </a:spcAft>
+              <a:buClr>
+                <a:schemeClr val="accent1"/>
+              </a:buClr>
+              <a:buFont typeface="Calibri" pitchFamily="34" charset="0"/>
+              <a:buChar char="◦"/>
+              <a:defRPr sz="1400" kern="1200">
+                <a:solidFill>
+                  <a:schemeClr val="tx1">
+                    <a:lumMod val="75000"/>
+                    <a:lumOff val="25000"/>
+                  </a:schemeClr>
+                </a:solidFill>
+                <a:latin typeface="+mn-lt"/>
+                <a:ea typeface="+mn-ea"/>
+                <a:cs typeface="+mn-cs"/>
+              </a:defRPr>
+            </a:lvl5pPr>
+            <a:lvl6pPr marL="1100000" indent="-228600" algn="l" defTabSz="914400" rtl="0" eaLnBrk="1" latinLnBrk="0" hangingPunct="1">
+              <a:lnSpc>
+                <a:spcPct val="90000"/>
+              </a:lnSpc>
+              <a:spcBef>
+                <a:spcPts val="200"/>
+              </a:spcBef>
+              <a:spcAft>
+                <a:spcPts val="400"/>
+              </a:spcAft>
+              <a:buClr>
+                <a:schemeClr val="accent1"/>
+              </a:buClr>
+              <a:buFont typeface="Calibri" pitchFamily="34" charset="0"/>
+              <a:buChar char="◦"/>
+              <a:defRPr sz="1400" kern="1200">
+                <a:solidFill>
+                  <a:schemeClr val="tx1">
+                    <a:lumMod val="75000"/>
+                    <a:lumOff val="25000"/>
+                  </a:schemeClr>
+                </a:solidFill>
+                <a:latin typeface="+mn-lt"/>
+                <a:ea typeface="+mn-ea"/>
+                <a:cs typeface="+mn-cs"/>
+              </a:defRPr>
+            </a:lvl6pPr>
+            <a:lvl7pPr marL="1300000" indent="-228600" algn="l" defTabSz="914400" rtl="0" eaLnBrk="1" latinLnBrk="0" hangingPunct="1">
+              <a:lnSpc>
+                <a:spcPct val="90000"/>
+              </a:lnSpc>
+              <a:spcBef>
+                <a:spcPts val="200"/>
+              </a:spcBef>
+              <a:spcAft>
+                <a:spcPts val="400"/>
+              </a:spcAft>
+              <a:buClr>
+                <a:schemeClr val="accent1"/>
+              </a:buClr>
+              <a:buFont typeface="Calibri" pitchFamily="34" charset="0"/>
+              <a:buChar char="◦"/>
+              <a:defRPr sz="1400" kern="1200">
+                <a:solidFill>
+                  <a:schemeClr val="tx1">
+                    <a:lumMod val="75000"/>
+                    <a:lumOff val="25000"/>
+                  </a:schemeClr>
+                </a:solidFill>
+                <a:latin typeface="+mn-lt"/>
+                <a:ea typeface="+mn-ea"/>
+                <a:cs typeface="+mn-cs"/>
+              </a:defRPr>
+            </a:lvl7pPr>
+            <a:lvl8pPr marL="1500000" indent="-228600" algn="l" defTabSz="914400" rtl="0" eaLnBrk="1" latinLnBrk="0" hangingPunct="1">
+              <a:lnSpc>
+                <a:spcPct val="90000"/>
+              </a:lnSpc>
+              <a:spcBef>
+                <a:spcPts val="200"/>
+              </a:spcBef>
+              <a:spcAft>
+                <a:spcPts val="400"/>
+              </a:spcAft>
+              <a:buClr>
+                <a:schemeClr val="accent1"/>
+              </a:buClr>
+              <a:buFont typeface="Calibri" pitchFamily="34" charset="0"/>
+              <a:buChar char="◦"/>
+              <a:defRPr sz="1400" kern="1200">
+                <a:solidFill>
+                  <a:schemeClr val="tx1">
+                    <a:lumMod val="75000"/>
+                    <a:lumOff val="25000"/>
+                  </a:schemeClr>
+                </a:solidFill>
+                <a:latin typeface="+mn-lt"/>
+                <a:ea typeface="+mn-ea"/>
+                <a:cs typeface="+mn-cs"/>
+              </a:defRPr>
+            </a:lvl8pPr>
+            <a:lvl9pPr marL="1700000" indent="-228600" algn="l" defTabSz="914400" rtl="0" eaLnBrk="1" latinLnBrk="0" hangingPunct="1">
+              <a:lnSpc>
+                <a:spcPct val="90000"/>
+              </a:lnSpc>
+              <a:spcBef>
+                <a:spcPts val="200"/>
+              </a:spcBef>
+              <a:spcAft>
+                <a:spcPts val="400"/>
+              </a:spcAft>
+              <a:buClr>
+                <a:schemeClr val="accent1"/>
+              </a:buClr>
+              <a:buFont typeface="Calibri" pitchFamily="34" charset="0"/>
+              <a:buChar char="◦"/>
+              <a:defRPr sz="1400" kern="1200">
+                <a:solidFill>
+                  <a:schemeClr val="tx1">
+                    <a:lumMod val="75000"/>
+                    <a:lumOff val="25000"/>
+                  </a:schemeClr>
+                </a:solidFill>
+                <a:latin typeface="+mn-lt"/>
+                <a:ea typeface="+mn-ea"/>
+                <a:cs typeface="+mn-cs"/>
+              </a:defRPr>
+            </a:lvl9pPr>
+          </a:lstStyle>
+          <a:p>
+            <a:r>
+              <a:rPr lang="pt-BR" b="1" dirty="0" smtClean="0"/>
+              <a:t>Disciplina: </a:t>
+            </a:r>
+            <a:r>
+              <a:rPr lang="pt-BR" dirty="0" smtClean="0"/>
+              <a:t>Internet B</a:t>
+            </a:r>
+          </a:p>
+          <a:p>
+            <a:r>
+              <a:rPr lang="pt-BR" b="1" dirty="0" smtClean="0"/>
+              <a:t>Professor: </a:t>
+            </a:r>
+            <a:r>
+              <a:rPr lang="pt-BR" dirty="0" smtClean="0"/>
+              <a:t>Alencar Machado</a:t>
+            </a:r>
+          </a:p>
+          <a:p>
+            <a:r>
+              <a:rPr lang="pt-BR" b="1" dirty="0" smtClean="0"/>
+              <a:t>Aluno/Monitor: </a:t>
+            </a:r>
+            <a:r>
+              <a:rPr lang="pt-BR" dirty="0" smtClean="0"/>
+              <a:t>Vinícius Diehl de Franceschi</a:t>
+            </a:r>
+          </a:p>
+          <a:p>
+            <a:r>
+              <a:rPr lang="pt-BR" b="1" dirty="0" smtClean="0"/>
+              <a:t>Projeto no </a:t>
+            </a:r>
+            <a:r>
+              <a:rPr lang="pt-BR" b="1" dirty="0" err="1" smtClean="0"/>
+              <a:t>GitHub</a:t>
+            </a:r>
+            <a:r>
+              <a:rPr lang="pt-BR" b="1" dirty="0"/>
+              <a:t>: </a:t>
+            </a:r>
+            <a:r>
+              <a:rPr lang="pt-BR" dirty="0">
+                <a:hlinkClick r:id="rId3"/>
+              </a:rPr>
+              <a:t>https://</a:t>
+            </a:r>
+            <a:r>
+              <a:rPr lang="pt-BR" dirty="0" smtClean="0">
+                <a:hlinkClick r:id="rId3"/>
+              </a:rPr>
+              <a:t>github.com/V1n1c1us/internetBootstrap</a:t>
+            </a:r>
+            <a:endParaRPr lang="pt-BR" dirty="0" smtClean="0"/>
+          </a:p>
+          <a:p>
+            <a:r>
+              <a:rPr lang="pt-BR" b="1" dirty="0" smtClean="0"/>
+              <a:t>Documentação Oficial</a:t>
+            </a:r>
+            <a:r>
+              <a:rPr lang="pt-BR" b="1" dirty="0"/>
+              <a:t>:</a:t>
+            </a:r>
+            <a:r>
+              <a:rPr lang="pt-BR" dirty="0"/>
+              <a:t>  </a:t>
+            </a:r>
+            <a:r>
+              <a:rPr lang="pt-BR" dirty="0">
+                <a:hlinkClick r:id="rId4"/>
+              </a:rPr>
+              <a:t>http://getbootstrap.com</a:t>
+            </a:r>
+            <a:r>
+              <a:rPr lang="pt-BR" dirty="0" smtClean="0">
+                <a:hlinkClick r:id="rId4"/>
+              </a:rPr>
+              <a:t>/</a:t>
+            </a:r>
+            <a:r>
+              <a:rPr lang="pt-BR" dirty="0" smtClean="0"/>
+              <a:t> </a:t>
+            </a:r>
+            <a:endParaRPr lang="pt-BR" dirty="0"/>
+          </a:p>
+        </p:txBody>
+      </p:sp>
+      <p:pic>
+        <p:nvPicPr>
+          <p:cNvPr id="8" name="Imagem 7"/>
+          <p:cNvPicPr>
+            <a:picLocks noChangeAspect="1"/>
+          </p:cNvPicPr>
+          <p:nvPr/>
+        </p:nvPicPr>
+        <p:blipFill>
+          <a:blip r:embed="rId2"/>
+          <a:stretch>
+            <a:fillRect/>
+          </a:stretch>
+        </p:blipFill>
+        <p:spPr>
+          <a:xfrm>
+            <a:off x="3694090" y="325058"/>
+            <a:ext cx="6132490" cy="4130562"/>
+          </a:xfrm>
+          <a:prstGeom prst="rect">
+            <a:avLst/>
+          </a:prstGeom>
+        </p:spPr>
+      </p:pic>
+      <p:sp>
+        <p:nvSpPr>
+          <p:cNvPr id="9" name="Título 1"/>
+          <p:cNvSpPr txBox="1">
+            <a:spLocks/>
+          </p:cNvSpPr>
+          <p:nvPr/>
+        </p:nvSpPr>
+        <p:spPr>
+          <a:xfrm>
+            <a:off x="4137260" y="2017496"/>
+            <a:ext cx="2931095" cy="745687"/>
+          </a:xfrm>
+          <a:prstGeom prst="rect">
+            <a:avLst/>
+          </a:prstGeom>
+        </p:spPr>
+        <p:txBody>
+          <a:bodyPr vert="horz" lIns="91440" tIns="45720" rIns="91440" bIns="45720" rtlCol="0" anchor="b">
+            <a:normAutofit/>
+          </a:bodyPr>
+          <a:lstStyle>
+            <a:lvl1pPr algn="l" defTabSz="914400" rtl="0" eaLnBrk="1" latinLnBrk="0" hangingPunct="1">
+              <a:lnSpc>
+                <a:spcPct val="85000"/>
+              </a:lnSpc>
+              <a:spcBef>
+                <a:spcPct val="0"/>
+              </a:spcBef>
+              <a:buNone/>
+              <a:defRPr sz="4800" kern="1200" spc="-50" baseline="0">
+                <a:solidFill>
+                  <a:schemeClr val="tx1">
+                    <a:lumMod val="75000"/>
+                    <a:lumOff val="25000"/>
+                  </a:schemeClr>
+                </a:solidFill>
+                <a:latin typeface="+mj-lt"/>
+                <a:ea typeface="+mj-ea"/>
+                <a:cs typeface="+mj-cs"/>
+              </a:defRPr>
+            </a:lvl1pPr>
+          </a:lstStyle>
+          <a:p>
+            <a:pPr algn="ctr"/>
+            <a:r>
+              <a:rPr lang="pt-BR" dirty="0" smtClean="0"/>
+              <a:t>Obrigado!</a:t>
+            </a:r>
+            <a:endParaRPr lang="pt-BR" dirty="0"/>
+          </a:p>
+        </p:txBody>
+      </p:sp>
+    </p:spTree>
+    <p:extLst>
+      <p:ext uri="{BB962C8B-B14F-4D97-AF65-F5344CB8AC3E}">
+        <p14:creationId xmlns:p14="http://schemas.microsoft.com/office/powerpoint/2010/main" val="745245773"/>
       </p:ext>
     </p:extLst>
   </p:cSld>
@@ -3891,7 +5663,9 @@
         </p:nvSpPr>
         <p:spPr/>
         <p:txBody>
-          <a:bodyPr/>
+          <a:bodyPr>
+            <a:normAutofit/>
+          </a:bodyPr>
           <a:lstStyle/>
           <a:p>
             <a:pPr>
@@ -3899,23 +5673,23 @@
               <a:buChar char="•"/>
             </a:pPr>
             <a:r>
-              <a:rPr lang="pt-BR" dirty="0" smtClean="0"/>
+              <a:rPr lang="pt-BR" sz="2200" dirty="0" smtClean="0"/>
               <a:t>O </a:t>
             </a:r>
             <a:r>
-              <a:rPr lang="pt-BR" dirty="0" err="1" smtClean="0"/>
+              <a:rPr lang="pt-BR" sz="2200" dirty="0" err="1" smtClean="0"/>
               <a:t>Bootstrap</a:t>
             </a:r>
             <a:r>
-              <a:rPr lang="pt-BR" dirty="0" smtClean="0"/>
+              <a:rPr lang="pt-BR" sz="2200" dirty="0" smtClean="0"/>
               <a:t> é um Framework </a:t>
             </a:r>
             <a:r>
-              <a:rPr lang="pt-BR" dirty="0" err="1" smtClean="0"/>
+              <a:rPr lang="pt-BR" sz="2200" dirty="0" err="1" smtClean="0"/>
               <a:t>JavaScript</a:t>
             </a:r>
             <a:r>
-              <a:rPr lang="pt-BR" dirty="0" smtClean="0"/>
+              <a:rPr lang="pt-BR" sz="2200" dirty="0" smtClean="0"/>
               <a:t>, CSS e HTML. </a:t>
             </a:r>
           </a:p>
@@ -3925,7 +5699,7 @@
               <a:buChar char="•"/>
             </a:pPr>
             <a:r>
-              <a:rPr lang="pt-BR" dirty="0" smtClean="0"/>
+              <a:rPr lang="pt-BR" sz="2200" dirty="0" smtClean="0"/>
               <a:t>É o mais popular para o desenvolvimento de sites e aplicações web responsivas.</a:t>
             </a:r>
           </a:p>
@@ -3935,21 +5709,45 @@
               <a:buChar char="•"/>
             </a:pPr>
             <a:r>
-              <a:rPr lang="pt-BR" dirty="0" smtClean="0"/>
+              <a:rPr lang="pt-BR" sz="2200" dirty="0" smtClean="0"/>
               <a:t>Possui a filosofia Mobile </a:t>
             </a:r>
             <a:r>
-              <a:rPr lang="pt-BR" dirty="0" err="1" smtClean="0"/>
+              <a:rPr lang="pt-BR" sz="2200" dirty="0" err="1" smtClean="0"/>
               <a:t>First</a:t>
             </a:r>
             <a:r>
-              <a:rPr lang="pt-BR" dirty="0" smtClean="0"/>
+              <a:rPr lang="pt-BR" sz="2200" dirty="0" smtClean="0"/>
               <a:t>.</a:t>
             </a:r>
-            <a:endParaRPr lang="pt-BR" dirty="0"/>
+            <a:endParaRPr lang="pt-BR" sz="2200" dirty="0"/>
           </a:p>
         </p:txBody>
       </p:sp>
+      <p:pic>
+        <p:nvPicPr>
+          <p:cNvPr id="4" name="Imagem 3"/>
+          <p:cNvPicPr>
+            <a:picLocks noChangeAspect="1"/>
+          </p:cNvPicPr>
+          <p:nvPr/>
+        </p:nvPicPr>
+        <p:blipFill>
+          <a:blip r:embed="rId2"/>
+          <a:stretch>
+            <a:fillRect/>
+          </a:stretch>
+        </p:blipFill>
+        <p:spPr>
+          <a:xfrm>
+            <a:off x="11037194" y="5543154"/>
+            <a:ext cx="1154806" cy="777824"/>
+          </a:xfrm>
+          <a:prstGeom prst="rect">
+            <a:avLst/>
+          </a:prstGeom>
+        </p:spPr>
+      </p:pic>
     </p:spTree>
     <p:extLst>
       <p:ext uri="{BB962C8B-B14F-4D97-AF65-F5344CB8AC3E}">
@@ -3960,6 +5758,13 @@
   <p:clrMapOvr>
     <a:masterClrMapping/>
   </p:clrMapOvr>
+  <p:timing>
+    <p:tnLst>
+      <p:par>
+        <p:cTn id="1" dur="indefinite" restart="never" nodeType="tmRoot"/>
+      </p:par>
+    </p:tnLst>
+  </p:timing>
 </p:sld>
 </file>
 
@@ -4028,7 +5833,7 @@
         <p:spPr>
           <a:xfrm>
             <a:off x="7459853" y="1897390"/>
-            <a:ext cx="3750055" cy="4165409"/>
+            <a:ext cx="3518233" cy="4165409"/>
           </a:xfrm>
           <a:prstGeom prst="rect">
             <a:avLst/>
@@ -4308,7 +6113,7 @@
               <a:buChar char="•"/>
             </a:pPr>
             <a:r>
-              <a:rPr lang="pt-BR" dirty="0" smtClean="0"/>
+              <a:rPr lang="pt-BR" sz="2200" dirty="0" smtClean="0"/>
               <a:t> Estrutura simples.</a:t>
             </a:r>
           </a:p>
@@ -4318,7 +6123,7 @@
               <a:buChar char="•"/>
             </a:pPr>
             <a:r>
-              <a:rPr lang="pt-BR" dirty="0" smtClean="0"/>
+              <a:rPr lang="pt-BR" sz="2200" dirty="0" smtClean="0"/>
               <a:t> O pacote possui três tipos diferentes de arquivos(CSS, JS, FONTS).</a:t>
             </a:r>
           </a:p>
@@ -4328,7 +6133,7 @@
               <a:buChar char="•"/>
             </a:pPr>
             <a:r>
-              <a:rPr lang="pt-BR" dirty="0" smtClean="0"/>
+              <a:rPr lang="pt-BR" sz="2200" dirty="0" smtClean="0"/>
               <a:t>CSS – Contém as folhas de estilo</a:t>
             </a:r>
           </a:p>
@@ -4338,15 +6143,15 @@
               <a:buChar char="•"/>
             </a:pPr>
             <a:r>
-              <a:rPr lang="pt-BR" dirty="0" smtClean="0"/>
+              <a:rPr lang="pt-BR" sz="2200" dirty="0" smtClean="0"/>
               <a:t>JS – Contém o </a:t>
             </a:r>
             <a:r>
-              <a:rPr lang="pt-BR" dirty="0" err="1" smtClean="0"/>
-              <a:t>JavaScritp</a:t>
-            </a:r>
-            <a:r>
-              <a:rPr lang="pt-BR" dirty="0" smtClean="0"/>
+              <a:rPr lang="pt-BR" sz="2200" dirty="0" err="1" smtClean="0"/>
+              <a:t>JavaScript</a:t>
+            </a:r>
+            <a:r>
+              <a:rPr lang="pt-BR" sz="2200" dirty="0" smtClean="0"/>
               <a:t> </a:t>
             </a:r>
           </a:p>
@@ -4356,23 +6161,47 @@
               <a:buChar char="•"/>
             </a:pPr>
             <a:r>
-              <a:rPr lang="pt-BR" dirty="0" smtClean="0"/>
+              <a:rPr lang="pt-BR" sz="2200" dirty="0" smtClean="0"/>
               <a:t>FONTS – Contém as Fontes para os textos e os </a:t>
             </a:r>
             <a:r>
-              <a:rPr lang="pt-BR" dirty="0" err="1" smtClean="0"/>
+              <a:rPr lang="pt-BR" sz="2200" dirty="0" err="1" smtClean="0"/>
               <a:t>glyphicons</a:t>
             </a:r>
-            <a:endParaRPr lang="pt-BR" dirty="0" smtClean="0"/>
+            <a:endParaRPr lang="pt-BR" sz="2200" dirty="0" smtClean="0"/>
           </a:p>
           <a:p>
             <a:pPr marL="0" indent="0">
               <a:buNone/>
             </a:pPr>
-            <a:endParaRPr lang="pt-BR" dirty="0"/>
+            <a:endParaRPr lang="pt-BR" sz="2800" dirty="0"/>
           </a:p>
         </p:txBody>
       </p:sp>
+      <p:pic>
+        <p:nvPicPr>
+          <p:cNvPr id="7" name="Imagem 6"/>
+          <p:cNvPicPr>
+            <a:picLocks noChangeAspect="1"/>
+          </p:cNvPicPr>
+          <p:nvPr/>
+        </p:nvPicPr>
+        <p:blipFill>
+          <a:blip r:embed="rId3"/>
+          <a:stretch>
+            <a:fillRect/>
+          </a:stretch>
+        </p:blipFill>
+        <p:spPr>
+          <a:xfrm>
+            <a:off x="11037194" y="5543154"/>
+            <a:ext cx="1154806" cy="777824"/>
+          </a:xfrm>
+          <a:prstGeom prst="rect">
+            <a:avLst/>
+          </a:prstGeom>
+        </p:spPr>
+      </p:pic>
     </p:spTree>
     <p:extLst>
       <p:ext uri="{BB962C8B-B14F-4D97-AF65-F5344CB8AC3E}">
@@ -4383,6 +6212,13 @@
   <p:clrMapOvr>
     <a:masterClrMapping/>
   </p:clrMapOvr>
+  <p:timing>
+    <p:tnLst>
+      <p:par>
+        <p:cTn id="1" dur="indefinite" restart="never" nodeType="tmRoot"/>
+      </p:par>
+    </p:tnLst>
+  </p:timing>
 </p:sld>
 </file>
 
@@ -4415,7 +6251,7 @@
         </p:nvSpPr>
         <p:spPr>
           <a:xfrm>
-            <a:off x="1151508" y="927279"/>
+            <a:off x="1097280" y="0"/>
             <a:ext cx="10058400" cy="771445"/>
           </a:xfrm>
         </p:spPr>
@@ -4426,7 +6262,7 @@
             <a:pPr algn="ctr"/>
             <a:r>
               <a:rPr lang="pt-BR" dirty="0" smtClean="0"/>
-              <a:t>Grids</a:t>
+              <a:t>Estrutura no projeto</a:t>
             </a:r>
             <a:endParaRPr lang="pt-BR" dirty="0"/>
           </a:p>
@@ -4442,7 +6278,7 @@
         </p:nvSpPr>
         <p:spPr>
           <a:xfrm>
-            <a:off x="1097280" y="1845734"/>
+            <a:off x="1097280" y="647999"/>
             <a:ext cx="10112628" cy="4023360"/>
           </a:xfrm>
           <a:prstGeom prst="rect">
@@ -4705,20 +6541,42 @@
               <a:buChar char="•"/>
             </a:pPr>
             <a:r>
-              <a:rPr lang="pt-BR" dirty="0"/>
-              <a:t> </a:t>
-            </a:r>
-            <a:r>
-              <a:rPr lang="pt-BR" dirty="0" smtClean="0"/>
-              <a:t>O uso de grids é fundamental para se obter um bom projeto com o </a:t>
-            </a:r>
-            <a:r>
-              <a:rPr lang="pt-BR" dirty="0" err="1" smtClean="0"/>
-              <a:t>Bootstrap</a:t>
-            </a:r>
-            <a:r>
-              <a:rPr lang="pt-BR" dirty="0" smtClean="0"/>
-              <a:t>, proporcionando uma flexibilidade maior na hora de apresentar seu site para o usuário.</a:t>
+              <a:rPr lang="pt-BR" sz="2200" dirty="0" smtClean="0"/>
+              <a:t> Para adicionar o </a:t>
+            </a:r>
+            <a:r>
+              <a:rPr lang="pt-BR" sz="2200" dirty="0" err="1" smtClean="0"/>
+              <a:t>bootstrap</a:t>
+            </a:r>
+            <a:r>
+              <a:rPr lang="pt-BR" sz="2200" dirty="0" smtClean="0"/>
+              <a:t> em seu projeto, basta entrar no site oficial </a:t>
+            </a:r>
+            <a:r>
+              <a:rPr lang="pt-BR" sz="2200" dirty="0" smtClean="0">
+                <a:hlinkClick r:id="rId2"/>
+              </a:rPr>
+              <a:t>http://getbootstrap.com</a:t>
+            </a:r>
+            <a:r>
+              <a:rPr lang="pt-BR" sz="2200" dirty="0" smtClean="0"/>
+              <a:t> , e fazer o download dos arquivos </a:t>
+            </a:r>
+            <a:r>
+              <a:rPr lang="pt-BR" sz="2200" dirty="0" err="1" smtClean="0"/>
+              <a:t>css,js</a:t>
+            </a:r>
+            <a:r>
+              <a:rPr lang="pt-BR" sz="2200" dirty="0" smtClean="0"/>
+              <a:t> e </a:t>
+            </a:r>
+            <a:r>
+              <a:rPr lang="pt-BR" sz="2200" dirty="0" err="1" smtClean="0"/>
+              <a:t>fonts</a:t>
+            </a:r>
+            <a:r>
+              <a:rPr lang="pt-BR" sz="2200" dirty="0" smtClean="0"/>
+              <a:t>.</a:t>
             </a:r>
           </a:p>
           <a:p>
@@ -4727,107 +6585,30 @@
               <a:buChar char="•"/>
             </a:pPr>
             <a:r>
-              <a:rPr lang="pt-BR" dirty="0"/>
-              <a:t> Possui uma lógica fácil de </a:t>
-            </a:r>
-            <a:r>
-              <a:rPr lang="pt-BR" dirty="0" smtClean="0"/>
-              <a:t>compreender</a:t>
-            </a:r>
-          </a:p>
-          <a:p>
-            <a:pPr>
+              <a:rPr lang="pt-BR" sz="2200" dirty="0" smtClean="0"/>
+              <a:t> Após efetuar o download, extraia as pastas para a pasta destino do seu projeto.</a:t>
+            </a:r>
+          </a:p>
+          <a:p>
+            <a:pPr lvl="1">
               <a:buFont typeface="Arial" panose="020B0604020202020204" pitchFamily="34" charset="0"/>
               <a:buChar char="•"/>
             </a:pPr>
             <a:r>
-              <a:rPr lang="pt-BR" dirty="0"/>
+              <a:rPr lang="pt-BR" sz="2200" dirty="0" smtClean="0"/>
+              <a:t>EX:</a:t>
+            </a:r>
+            <a:r>
+              <a:rPr lang="pt-BR" sz="2000" dirty="0" smtClean="0"/>
               <a:t> </a:t>
             </a:r>
-            <a:r>
-              <a:rPr lang="pt-BR" dirty="0" smtClean="0"/>
-              <a:t>Possui o recurso de </a:t>
-            </a:r>
-            <a:r>
-              <a:rPr lang="pt-BR" dirty="0" err="1" smtClean="0"/>
-              <a:t>responsividade</a:t>
-            </a:r>
-            <a:r>
-              <a:rPr lang="pt-BR" dirty="0" smtClean="0"/>
-              <a:t>, tornando as páginas com visuais adaptáveis ao dispositivo que está sendo utilizado.</a:t>
-            </a:r>
-          </a:p>
-          <a:p>
-            <a:pPr>
-              <a:buFont typeface="Arial" panose="020B0604020202020204" pitchFamily="34" charset="0"/>
-              <a:buChar char="•"/>
-            </a:pPr>
-            <a:r>
-              <a:rPr lang="pt-BR" dirty="0"/>
-              <a:t> </a:t>
-            </a:r>
-            <a:r>
-              <a:rPr lang="pt-BR" dirty="0" smtClean="0"/>
-              <a:t>Adapta-se a Desktops, </a:t>
-            </a:r>
-            <a:r>
-              <a:rPr lang="pt-BR" dirty="0" err="1" smtClean="0"/>
-              <a:t>Tablets</a:t>
-            </a:r>
-            <a:r>
-              <a:rPr lang="pt-BR" dirty="0" smtClean="0"/>
-              <a:t> e Celulares sem precisar criar diversas versões do mesmo site</a:t>
-            </a:r>
-          </a:p>
-          <a:p>
-            <a:pPr>
-              <a:buFont typeface="Arial" panose="020B0604020202020204" pitchFamily="34" charset="0"/>
-              <a:buChar char="•"/>
-            </a:pPr>
-            <a:r>
-              <a:rPr lang="pt-BR" dirty="0" smtClean="0"/>
-              <a:t> É </a:t>
-            </a:r>
-            <a:r>
-              <a:rPr lang="pt-BR" dirty="0" err="1" smtClean="0"/>
-              <a:t>oganizado</a:t>
-            </a:r>
-            <a:r>
-              <a:rPr lang="pt-BR" dirty="0" smtClean="0"/>
-              <a:t> </a:t>
-            </a:r>
-            <a:r>
-              <a:rPr lang="pt-BR" dirty="0"/>
-              <a:t>em 12 colunas com larguras iguais.</a:t>
-            </a:r>
-          </a:p>
-          <a:p>
-            <a:pPr>
-              <a:buFont typeface="Arial" panose="020B0604020202020204" pitchFamily="34" charset="0"/>
-              <a:buChar char="•"/>
-            </a:pPr>
-            <a:endParaRPr lang="pt-BR" dirty="0" smtClean="0"/>
-          </a:p>
-          <a:p>
-            <a:pPr>
-              <a:buFont typeface="Arial" panose="020B0604020202020204" pitchFamily="34" charset="0"/>
-              <a:buChar char="•"/>
-            </a:pPr>
-            <a:endParaRPr lang="pt-BR" dirty="0" smtClean="0"/>
-          </a:p>
-          <a:p>
-            <a:pPr>
-              <a:buFont typeface="Arial" panose="020B0604020202020204" pitchFamily="34" charset="0"/>
-              <a:buChar char="•"/>
-            </a:pPr>
-            <a:endParaRPr lang="pt-BR" dirty="0" smtClean="0"/>
-          </a:p>
-          <a:p>
-            <a:pPr>
-              <a:buFont typeface="Arial" panose="020B0604020202020204" pitchFamily="34" charset="0"/>
-              <a:buChar char="•"/>
-            </a:pPr>
-            <a:endParaRPr lang="pt-BR" dirty="0" smtClean="0"/>
+            <a:br>
+              <a:rPr lang="pt-BR" sz="2000" dirty="0" smtClean="0"/>
+            </a:br>
+            <a:r>
+              <a:rPr lang="pt-BR" sz="2000" dirty="0" smtClean="0"/>
+              <a:t>	</a:t>
+            </a:r>
           </a:p>
           <a:p>
             <a:pPr marL="0" indent="0">
@@ -4837,68 +6618,33 @@
           </a:p>
         </p:txBody>
       </p:sp>
-    </p:spTree>
-    <p:extLst>
-      <p:ext uri="{BB962C8B-B14F-4D97-AF65-F5344CB8AC3E}">
-        <p14:creationId xmlns:p14="http://schemas.microsoft.com/office/powerpoint/2010/main" val="2023812925"/>
-      </p:ext>
-    </p:extLst>
-  </p:cSld>
-  <p:clrMapOvr>
-    <a:masterClrMapping/>
-  </p:clrMapOvr>
-</p:sld>
-</file>
-
-<file path=ppt/slides/slide5.xml><?xml version="1.0" encoding="utf-8"?>
-<p:sld xmlns:a="http://schemas.openxmlformats.org/drawingml/2006/main" xmlns:r="http://schemas.openxmlformats.org/officeDocument/2006/relationships" xmlns:p="http://schemas.openxmlformats.org/presentationml/2006/main">
-  <p:cSld>
-    <p:spTree>
-      <p:nvGrpSpPr>
-        <p:cNvPr id="1" name=""/>
-        <p:cNvGrpSpPr/>
-        <p:nvPr/>
-      </p:nvGrpSpPr>
-      <p:grpSpPr>
-        <a:xfrm>
-          <a:off x="0" y="0"/>
-          <a:ext cx="0" cy="0"/>
-          <a:chOff x="0" y="0"/>
-          <a:chExt cx="0" cy="0"/>
-        </a:xfrm>
-      </p:grpSpPr>
-      <p:sp>
-        <p:nvSpPr>
-          <p:cNvPr id="2" name="Título 1"/>
-          <p:cNvSpPr>
-            <a:spLocks noGrp="1"/>
-          </p:cNvSpPr>
-          <p:nvPr>
-            <p:ph type="title"/>
-          </p:nvPr>
-        </p:nvSpPr>
-        <p:spPr>
-          <a:xfrm>
-            <a:off x="1151508" y="927279"/>
-            <a:ext cx="10058400" cy="771445"/>
-          </a:xfrm>
-        </p:spPr>
-        <p:txBody>
-          <a:bodyPr/>
-          <a:lstStyle/>
-          <a:p>
-            <a:pPr algn="ctr"/>
-            <a:r>
-              <a:rPr lang="pt-BR" dirty="0" smtClean="0"/>
-              <a:t>Grids – Como Funciona?</a:t>
-            </a:r>
-            <a:endParaRPr lang="pt-BR" dirty="0"/>
-          </a:p>
-        </p:txBody>
-      </p:sp>
-      <p:sp>
-        <p:nvSpPr>
-          <p:cNvPr id="6" name="Espaço Reservado para Conteúdo 2"/>
+      <p:pic>
+        <p:nvPicPr>
+          <p:cNvPr id="7" name="Imagem 6"/>
+          <p:cNvPicPr>
+            <a:picLocks noChangeAspect="1"/>
+          </p:cNvPicPr>
+          <p:nvPr/>
+        </p:nvPicPr>
+        <p:blipFill>
+          <a:blip r:embed="rId3"/>
+          <a:stretch>
+            <a:fillRect/>
+          </a:stretch>
+        </p:blipFill>
+        <p:spPr>
+          <a:xfrm>
+            <a:off x="1599891" y="2192846"/>
+            <a:ext cx="2628900" cy="3933825"/>
+          </a:xfrm>
+          <a:prstGeom prst="rect">
+            <a:avLst/>
+          </a:prstGeom>
+        </p:spPr>
+      </p:pic>
+      <p:sp>
+        <p:nvSpPr>
+          <p:cNvPr id="8" name="Espaço Reservado para Conteúdo 2"/>
           <p:cNvSpPr txBox="1">
             <a:spLocks/>
           </p:cNvSpPr>
@@ -4906,8 +6652,8 @@
         </p:nvSpPr>
         <p:spPr>
           <a:xfrm>
-            <a:off x="1097280" y="1845734"/>
-            <a:ext cx="10112628" cy="4490672"/>
+            <a:off x="4431583" y="1948765"/>
+            <a:ext cx="6778325" cy="4023360"/>
           </a:xfrm>
           <a:prstGeom prst="rect">
             <a:avLst/>
@@ -5169,368 +6915,9 @@
               <a:buChar char="•"/>
             </a:pPr>
             <a:r>
-              <a:rPr lang="pt-BR" dirty="0" smtClean="0"/>
-              <a:t> As linhas devem ser colocadas dentro de um </a:t>
-            </a:r>
-            <a:r>
-              <a:rPr lang="pt-BR" b="1" dirty="0" smtClean="0"/>
-              <a:t>.container</a:t>
-            </a:r>
-            <a:r>
-              <a:rPr lang="pt-BR" dirty="0" smtClean="0"/>
-              <a:t>(largura fixa) ou </a:t>
-            </a:r>
-            <a:r>
-              <a:rPr lang="pt-BR" b="1" dirty="0" smtClean="0"/>
-              <a:t>.container-</a:t>
-            </a:r>
-            <a:r>
-              <a:rPr lang="pt-BR" b="1" dirty="0" err="1" smtClean="0"/>
-              <a:t>fluid</a:t>
-            </a:r>
-            <a:r>
-              <a:rPr lang="pt-BR" dirty="0" smtClean="0"/>
-              <a:t>(largura total) para o alinhamento correto.</a:t>
-            </a:r>
-          </a:p>
-          <a:p>
-            <a:pPr>
-              <a:buFont typeface="Arial" panose="020B0604020202020204" pitchFamily="34" charset="0"/>
-              <a:buChar char="•"/>
-            </a:pPr>
-            <a:r>
-              <a:rPr lang="pt-BR" b="1" dirty="0"/>
-              <a:t> </a:t>
-            </a:r>
-            <a:r>
-              <a:rPr lang="pt-BR" dirty="0" smtClean="0"/>
-              <a:t>Use </a:t>
-            </a:r>
-            <a:r>
-              <a:rPr lang="pt-BR" b="1" dirty="0" smtClean="0"/>
-              <a:t>.</a:t>
-            </a:r>
-            <a:r>
-              <a:rPr lang="pt-BR" b="1" dirty="0" err="1" smtClean="0"/>
-              <a:t>row</a:t>
-            </a:r>
-            <a:r>
-              <a:rPr lang="pt-BR" dirty="0" smtClean="0"/>
-              <a:t>(linha) para criar grupos horizontais de colunas.</a:t>
-            </a:r>
-          </a:p>
-          <a:p>
-            <a:pPr>
-              <a:buFont typeface="Arial" panose="020B0604020202020204" pitchFamily="34" charset="0"/>
-              <a:buChar char="•"/>
-            </a:pPr>
-            <a:r>
-              <a:rPr lang="pt-BR" b="1" dirty="0"/>
-              <a:t> </a:t>
-            </a:r>
-            <a:r>
-              <a:rPr lang="pt-BR" dirty="0" smtClean="0"/>
-              <a:t>O conteúdo deve ser colocado dentro de </a:t>
-            </a:r>
-            <a:r>
-              <a:rPr lang="pt-BR" b="1" dirty="0" smtClean="0"/>
-              <a:t>.</a:t>
-            </a:r>
-            <a:r>
-              <a:rPr lang="pt-BR" b="1" dirty="0" err="1" smtClean="0"/>
-              <a:t>col</a:t>
-            </a:r>
-            <a:r>
-              <a:rPr lang="pt-BR" dirty="0" smtClean="0"/>
-              <a:t>(colunas), e somente as </a:t>
-            </a:r>
-            <a:r>
-              <a:rPr lang="pt-BR" b="1" dirty="0" smtClean="0"/>
-              <a:t>.</a:t>
-            </a:r>
-            <a:r>
-              <a:rPr lang="pt-BR" b="1" dirty="0" err="1" smtClean="0"/>
-              <a:t>col</a:t>
-            </a:r>
-            <a:r>
-              <a:rPr lang="pt-BR" dirty="0" smtClean="0"/>
-              <a:t>(colunas) poder ser filhas imediatas da </a:t>
-            </a:r>
-            <a:r>
-              <a:rPr lang="pt-BR" b="1" dirty="0" smtClean="0"/>
-              <a:t>.</a:t>
-            </a:r>
-            <a:r>
-              <a:rPr lang="pt-BR" b="1" dirty="0" err="1" smtClean="0"/>
-              <a:t>row</a:t>
-            </a:r>
-            <a:r>
-              <a:rPr lang="pt-BR" dirty="0" smtClean="0"/>
-              <a:t>(linha).</a:t>
-            </a:r>
-          </a:p>
-          <a:p>
-            <a:pPr>
-              <a:buFont typeface="Arial" panose="020B0604020202020204" pitchFamily="34" charset="0"/>
-              <a:buChar char="•"/>
-            </a:pPr>
-            <a:r>
-              <a:rPr lang="pt-BR" dirty="0"/>
-              <a:t> </a:t>
-            </a:r>
-            <a:r>
-              <a:rPr lang="pt-BR" dirty="0" smtClean="0"/>
-              <a:t>As </a:t>
-            </a:r>
-            <a:r>
-              <a:rPr lang="pt-BR" b="1" dirty="0" smtClean="0"/>
-              <a:t>.</a:t>
-            </a:r>
-            <a:r>
-              <a:rPr lang="pt-BR" b="1" dirty="0" err="1" smtClean="0"/>
-              <a:t>row</a:t>
-            </a:r>
-            <a:r>
-              <a:rPr lang="pt-BR" dirty="0" smtClean="0"/>
-              <a:t>(linhas) são compostas de até 12 </a:t>
-            </a:r>
-            <a:r>
-              <a:rPr lang="pt-BR" b="1" dirty="0" smtClean="0"/>
-              <a:t>.</a:t>
-            </a:r>
-            <a:r>
-              <a:rPr lang="pt-BR" b="1" dirty="0" err="1" smtClean="0"/>
-              <a:t>col</a:t>
-            </a:r>
-            <a:r>
-              <a:rPr lang="pt-BR" dirty="0" smtClean="0"/>
-              <a:t>(colunas).</a:t>
-            </a:r>
-          </a:p>
-          <a:p>
-            <a:pPr>
-              <a:buFont typeface="Arial" panose="020B0604020202020204" pitchFamily="34" charset="0"/>
-              <a:buChar char="•"/>
-            </a:pPr>
-            <a:r>
-              <a:rPr lang="pt-BR" dirty="0" smtClean="0"/>
-              <a:t> Se </a:t>
-            </a:r>
-            <a:r>
-              <a:rPr lang="pt-BR" dirty="0"/>
-              <a:t>houver mais de 12 </a:t>
-            </a:r>
-            <a:r>
-              <a:rPr lang="pt-BR" b="1" dirty="0" smtClean="0"/>
-              <a:t>.</a:t>
-            </a:r>
-            <a:r>
-              <a:rPr lang="pt-BR" b="1" dirty="0" err="1" smtClean="0"/>
-              <a:t>col</a:t>
-            </a:r>
-            <a:r>
-              <a:rPr lang="pt-BR" dirty="0" smtClean="0"/>
-              <a:t>(colunas) </a:t>
-            </a:r>
-            <a:r>
-              <a:rPr lang="pt-BR" dirty="0"/>
-              <a:t>na mesma </a:t>
-            </a:r>
-            <a:r>
-              <a:rPr lang="pt-BR" b="1" dirty="0" smtClean="0"/>
-              <a:t>.</a:t>
-            </a:r>
-            <a:r>
-              <a:rPr lang="pt-BR" b="1" dirty="0" err="1" smtClean="0"/>
-              <a:t>row</a:t>
-            </a:r>
-            <a:r>
-              <a:rPr lang="pt-BR" dirty="0" smtClean="0"/>
-              <a:t>(linha</a:t>
-            </a:r>
-            <a:r>
-              <a:rPr lang="pt-BR" dirty="0"/>
-              <a:t>)</a:t>
-            </a:r>
-            <a:r>
-              <a:rPr lang="pt-BR" dirty="0" smtClean="0"/>
-              <a:t>,</a:t>
-            </a:r>
-            <a:r>
-              <a:rPr lang="pt-BR" dirty="0"/>
-              <a:t> as 12 </a:t>
-            </a:r>
-            <a:r>
-              <a:rPr lang="pt-BR" dirty="0" smtClean="0"/>
-              <a:t>primeiras </a:t>
-            </a:r>
-            <a:r>
-              <a:rPr lang="pt-BR" b="1" dirty="0"/>
-              <a:t>.</a:t>
-            </a:r>
-            <a:r>
-              <a:rPr lang="pt-BR" b="1" dirty="0" err="1" smtClean="0"/>
-              <a:t>col</a:t>
-            </a:r>
-            <a:r>
-              <a:rPr lang="pt-BR" dirty="0" smtClean="0"/>
-              <a:t>(colunas) ficarão </a:t>
-            </a:r>
-            <a:r>
-              <a:rPr lang="pt-BR" dirty="0"/>
-              <a:t>na primeira </a:t>
-            </a:r>
-            <a:r>
-              <a:rPr lang="pt-BR" b="1" dirty="0"/>
-              <a:t>.</a:t>
-            </a:r>
-            <a:r>
-              <a:rPr lang="pt-BR" b="1" dirty="0" err="1" smtClean="0"/>
-              <a:t>row</a:t>
-            </a:r>
-            <a:r>
-              <a:rPr lang="pt-BR" dirty="0" smtClean="0"/>
-              <a:t>(linha), </a:t>
-            </a:r>
-            <a:r>
-              <a:rPr lang="pt-BR" dirty="0"/>
-              <a:t>as 12 segundas </a:t>
-            </a:r>
-            <a:r>
-              <a:rPr lang="pt-BR" b="1" dirty="0"/>
-              <a:t>.</a:t>
-            </a:r>
-            <a:r>
-              <a:rPr lang="pt-BR" b="1" dirty="0" err="1"/>
-              <a:t>col</a:t>
-            </a:r>
-            <a:r>
-              <a:rPr lang="pt-BR" dirty="0"/>
-              <a:t>(colunas)</a:t>
-            </a:r>
-            <a:r>
-              <a:rPr lang="pt-BR" dirty="0" smtClean="0"/>
-              <a:t> </a:t>
-            </a:r>
-            <a:r>
-              <a:rPr lang="pt-BR" dirty="0"/>
-              <a:t>na segunda </a:t>
-            </a:r>
-            <a:r>
-              <a:rPr lang="pt-BR" b="1" dirty="0"/>
-              <a:t>.</a:t>
-            </a:r>
-            <a:r>
-              <a:rPr lang="pt-BR" b="1" dirty="0" err="1"/>
-              <a:t>row</a:t>
-            </a:r>
-            <a:r>
-              <a:rPr lang="pt-BR" dirty="0"/>
-              <a:t>(linhas) </a:t>
-            </a:r>
-            <a:r>
-              <a:rPr lang="pt-BR" dirty="0" smtClean="0"/>
-              <a:t>e </a:t>
-            </a:r>
-            <a:r>
-              <a:rPr lang="pt-BR" dirty="0"/>
-              <a:t>assim por diante</a:t>
-            </a:r>
-            <a:r>
-              <a:rPr lang="pt-BR" dirty="0" smtClean="0"/>
-              <a:t>.</a:t>
-            </a:r>
-          </a:p>
-          <a:p>
-            <a:pPr>
-              <a:buFont typeface="Arial" panose="020B0604020202020204" pitchFamily="34" charset="0"/>
-              <a:buChar char="•"/>
-            </a:pPr>
-            <a:r>
-              <a:rPr lang="pt-BR" dirty="0" smtClean="0"/>
-              <a:t> Para tratar o comportamento das grids em cada dispositivo (Desktop, Tablet e Celular), utiliza-se as seguintes classes: </a:t>
-            </a:r>
-            <a:r>
-              <a:rPr lang="pt-BR" b="1" dirty="0" smtClean="0"/>
-              <a:t>.</a:t>
-            </a:r>
-            <a:r>
-              <a:rPr lang="pt-BR" b="1" dirty="0" err="1" smtClean="0"/>
-              <a:t>col-lg</a:t>
-            </a:r>
-            <a:r>
-              <a:rPr lang="pt-BR" b="1" dirty="0" smtClean="0"/>
-              <a:t>-* (&gt;=1200px) </a:t>
-            </a:r>
-            <a:r>
-              <a:rPr lang="pt-BR" dirty="0" smtClean="0"/>
-              <a:t>para dispositivos grandes, </a:t>
-            </a:r>
-            <a:r>
-              <a:rPr lang="pt-BR" b="1" dirty="0" smtClean="0"/>
-              <a:t>.</a:t>
-            </a:r>
-            <a:r>
-              <a:rPr lang="pt-BR" b="1" dirty="0" err="1" smtClean="0"/>
-              <a:t>col-md</a:t>
-            </a:r>
-            <a:r>
-              <a:rPr lang="pt-BR" b="1" dirty="0" smtClean="0"/>
-              <a:t>-* (&gt;=992px</a:t>
-            </a:r>
-            <a:r>
-              <a:rPr lang="pt-BR" b="1" dirty="0"/>
-              <a:t>)</a:t>
-            </a:r>
-            <a:r>
-              <a:rPr lang="pt-BR" b="1" dirty="0" smtClean="0"/>
-              <a:t> </a:t>
-            </a:r>
-            <a:r>
-              <a:rPr lang="pt-BR" dirty="0" smtClean="0"/>
-              <a:t>para dispositivos médios, </a:t>
-            </a:r>
-            <a:r>
-              <a:rPr lang="pt-BR" b="1" dirty="0" smtClean="0"/>
-              <a:t>.</a:t>
-            </a:r>
-            <a:r>
-              <a:rPr lang="pt-BR" b="1" dirty="0" err="1" smtClean="0"/>
-              <a:t>col-sm</a:t>
-            </a:r>
-            <a:r>
-              <a:rPr lang="pt-BR" b="1" dirty="0" smtClean="0"/>
-              <a:t>-</a:t>
-            </a:r>
-            <a:r>
-              <a:rPr lang="pt-BR" b="1" smtClean="0"/>
-              <a:t>* (&gt;=768px) </a:t>
-            </a:r>
-            <a:r>
-              <a:rPr lang="pt-BR" dirty="0" smtClean="0"/>
-              <a:t>para dispositivos pequenos.</a:t>
-            </a:r>
-          </a:p>
-          <a:p>
-            <a:pPr>
-              <a:buFont typeface="Arial" panose="020B0604020202020204" pitchFamily="34" charset="0"/>
-              <a:buChar char="•"/>
-            </a:pPr>
-            <a:endParaRPr lang="pt-BR" dirty="0"/>
-          </a:p>
-          <a:p>
-            <a:pPr>
-              <a:buFont typeface="Arial" panose="020B0604020202020204" pitchFamily="34" charset="0"/>
-              <a:buChar char="•"/>
-            </a:pPr>
-            <a:endParaRPr lang="pt-BR" dirty="0" smtClean="0"/>
-          </a:p>
-          <a:p>
-            <a:pPr>
-              <a:buFont typeface="Arial" panose="020B0604020202020204" pitchFamily="34" charset="0"/>
-              <a:buChar char="•"/>
-            </a:pPr>
-            <a:endParaRPr lang="pt-BR" dirty="0" smtClean="0"/>
+              <a:rPr lang="pt-BR" sz="2200" dirty="0" smtClean="0"/>
+              <a:t> Próximo passo é criar o link dos arquivos na sua página</a:t>
+            </a:r>
           </a:p>
           <a:p>
             <a:pPr marL="0" indent="0">
@@ -5540,16 +6927,542 @@
           </a:p>
         </p:txBody>
       </p:sp>
+      <p:pic>
+        <p:nvPicPr>
+          <p:cNvPr id="9" name="Imagem 8"/>
+          <p:cNvPicPr>
+            <a:picLocks noChangeAspect="1"/>
+          </p:cNvPicPr>
+          <p:nvPr/>
+        </p:nvPicPr>
+        <p:blipFill>
+          <a:blip r:embed="rId4"/>
+          <a:stretch>
+            <a:fillRect/>
+          </a:stretch>
+        </p:blipFill>
+        <p:spPr>
+          <a:xfrm>
+            <a:off x="4370458" y="2392276"/>
+            <a:ext cx="7760418" cy="2802025"/>
+          </a:xfrm>
+          <a:prstGeom prst="rect">
+            <a:avLst/>
+          </a:prstGeom>
+        </p:spPr>
+      </p:pic>
+      <p:pic>
+        <p:nvPicPr>
+          <p:cNvPr id="10" name="Imagem 9"/>
+          <p:cNvPicPr>
+            <a:picLocks noChangeAspect="1"/>
+          </p:cNvPicPr>
+          <p:nvPr/>
+        </p:nvPicPr>
+        <p:blipFill>
+          <a:blip r:embed="rId5"/>
+          <a:stretch>
+            <a:fillRect/>
+          </a:stretch>
+        </p:blipFill>
+        <p:spPr>
+          <a:xfrm>
+            <a:off x="11037194" y="5543154"/>
+            <a:ext cx="1154806" cy="777824"/>
+          </a:xfrm>
+          <a:prstGeom prst="rect">
+            <a:avLst/>
+          </a:prstGeom>
+        </p:spPr>
+      </p:pic>
     </p:spTree>
     <p:extLst>
       <p:ext uri="{BB962C8B-B14F-4D97-AF65-F5344CB8AC3E}">
-        <p14:creationId xmlns:p14="http://schemas.microsoft.com/office/powerpoint/2010/main" val="1337064658"/>
+        <p14:creationId xmlns:p14="http://schemas.microsoft.com/office/powerpoint/2010/main" val="3592243052"/>
       </p:ext>
     </p:extLst>
   </p:cSld>
   <p:clrMapOvr>
     <a:masterClrMapping/>
   </p:clrMapOvr>
+  <p:timing>
+    <p:tnLst>
+      <p:par>
+        <p:cTn id="1" dur="indefinite" restart="never" nodeType="tmRoot"/>
+      </p:par>
+    </p:tnLst>
+  </p:timing>
+</p:sld>
+</file>
+
+<file path=ppt/slides/slide5.xml><?xml version="1.0" encoding="utf-8"?>
+<p:sld xmlns:a="http://schemas.openxmlformats.org/drawingml/2006/main" xmlns:r="http://schemas.openxmlformats.org/officeDocument/2006/relationships" xmlns:p="http://schemas.openxmlformats.org/presentationml/2006/main">
+  <p:cSld>
+    <p:spTree>
+      <p:nvGrpSpPr>
+        <p:cNvPr id="1" name=""/>
+        <p:cNvGrpSpPr/>
+        <p:nvPr/>
+      </p:nvGrpSpPr>
+      <p:grpSpPr>
+        <a:xfrm>
+          <a:off x="0" y="0"/>
+          <a:ext cx="0" cy="0"/>
+          <a:chOff x="0" y="0"/>
+          <a:chExt cx="0" cy="0"/>
+        </a:xfrm>
+      </p:grpSpPr>
+      <p:sp>
+        <p:nvSpPr>
+          <p:cNvPr id="2" name="Título 1"/>
+          <p:cNvSpPr>
+            <a:spLocks noGrp="1"/>
+          </p:cNvSpPr>
+          <p:nvPr>
+            <p:ph type="title"/>
+          </p:nvPr>
+        </p:nvSpPr>
+        <p:spPr>
+          <a:xfrm>
+            <a:off x="1151508" y="927279"/>
+            <a:ext cx="10058400" cy="771445"/>
+          </a:xfrm>
+        </p:spPr>
+        <p:txBody>
+          <a:bodyPr/>
+          <a:lstStyle/>
+          <a:p>
+            <a:pPr algn="ctr"/>
+            <a:r>
+              <a:rPr lang="pt-BR" dirty="0" smtClean="0"/>
+              <a:t>Grids</a:t>
+            </a:r>
+            <a:endParaRPr lang="pt-BR" dirty="0"/>
+          </a:p>
+        </p:txBody>
+      </p:sp>
+      <p:sp>
+        <p:nvSpPr>
+          <p:cNvPr id="6" name="Espaço Reservado para Conteúdo 2"/>
+          <p:cNvSpPr txBox="1">
+            <a:spLocks/>
+          </p:cNvSpPr>
+          <p:nvPr/>
+        </p:nvSpPr>
+        <p:spPr>
+          <a:xfrm>
+            <a:off x="1097280" y="1845734"/>
+            <a:ext cx="10112628" cy="4023360"/>
+          </a:xfrm>
+          <a:prstGeom prst="rect">
+            <a:avLst/>
+          </a:prstGeom>
+        </p:spPr>
+        <p:txBody>
+          <a:bodyPr vert="horz" lIns="0" tIns="45720" rIns="0" bIns="45720" rtlCol="0">
+            <a:normAutofit/>
+          </a:bodyPr>
+          <a:lstStyle>
+            <a:lvl1pPr marL="91440" indent="-91440" algn="l" defTabSz="914400" rtl="0" eaLnBrk="1" latinLnBrk="0" hangingPunct="1">
+              <a:lnSpc>
+                <a:spcPct val="90000"/>
+              </a:lnSpc>
+              <a:spcBef>
+                <a:spcPts val="1200"/>
+              </a:spcBef>
+              <a:spcAft>
+                <a:spcPts val="200"/>
+              </a:spcAft>
+              <a:buClr>
+                <a:schemeClr val="accent1"/>
+              </a:buClr>
+              <a:buSzPct val="100000"/>
+              <a:buFont typeface="Calibri" panose="020F0502020204030204" pitchFamily="34" charset="0"/>
+              <a:buChar char=" "/>
+              <a:defRPr sz="2000" kern="1200">
+                <a:solidFill>
+                  <a:schemeClr val="tx1">
+                    <a:lumMod val="75000"/>
+                    <a:lumOff val="25000"/>
+                  </a:schemeClr>
+                </a:solidFill>
+                <a:latin typeface="+mn-lt"/>
+                <a:ea typeface="+mn-ea"/>
+                <a:cs typeface="+mn-cs"/>
+              </a:defRPr>
+            </a:lvl1pPr>
+            <a:lvl2pPr marL="384048" indent="-182880" algn="l" defTabSz="914400" rtl="0" eaLnBrk="1" latinLnBrk="0" hangingPunct="1">
+              <a:lnSpc>
+                <a:spcPct val="90000"/>
+              </a:lnSpc>
+              <a:spcBef>
+                <a:spcPts val="200"/>
+              </a:spcBef>
+              <a:spcAft>
+                <a:spcPts val="400"/>
+              </a:spcAft>
+              <a:buClr>
+                <a:schemeClr val="accent1"/>
+              </a:buClr>
+              <a:buFont typeface="Calibri" pitchFamily="34" charset="0"/>
+              <a:buChar char="◦"/>
+              <a:defRPr sz="1800" kern="1200">
+                <a:solidFill>
+                  <a:schemeClr val="tx1">
+                    <a:lumMod val="75000"/>
+                    <a:lumOff val="25000"/>
+                  </a:schemeClr>
+                </a:solidFill>
+                <a:latin typeface="+mn-lt"/>
+                <a:ea typeface="+mn-ea"/>
+                <a:cs typeface="+mn-cs"/>
+              </a:defRPr>
+            </a:lvl2pPr>
+            <a:lvl3pPr marL="566928" indent="-182880" algn="l" defTabSz="914400" rtl="0" eaLnBrk="1" latinLnBrk="0" hangingPunct="1">
+              <a:lnSpc>
+                <a:spcPct val="90000"/>
+              </a:lnSpc>
+              <a:spcBef>
+                <a:spcPts val="200"/>
+              </a:spcBef>
+              <a:spcAft>
+                <a:spcPts val="400"/>
+              </a:spcAft>
+              <a:buClr>
+                <a:schemeClr val="accent1"/>
+              </a:buClr>
+              <a:buFont typeface="Calibri" pitchFamily="34" charset="0"/>
+              <a:buChar char="◦"/>
+              <a:defRPr sz="1400" kern="1200">
+                <a:solidFill>
+                  <a:schemeClr val="tx1">
+                    <a:lumMod val="75000"/>
+                    <a:lumOff val="25000"/>
+                  </a:schemeClr>
+                </a:solidFill>
+                <a:latin typeface="+mn-lt"/>
+                <a:ea typeface="+mn-ea"/>
+                <a:cs typeface="+mn-cs"/>
+              </a:defRPr>
+            </a:lvl3pPr>
+            <a:lvl4pPr marL="749808" indent="-182880" algn="l" defTabSz="914400" rtl="0" eaLnBrk="1" latinLnBrk="0" hangingPunct="1">
+              <a:lnSpc>
+                <a:spcPct val="90000"/>
+              </a:lnSpc>
+              <a:spcBef>
+                <a:spcPts val="200"/>
+              </a:spcBef>
+              <a:spcAft>
+                <a:spcPts val="400"/>
+              </a:spcAft>
+              <a:buClr>
+                <a:schemeClr val="accent1"/>
+              </a:buClr>
+              <a:buFont typeface="Calibri" pitchFamily="34" charset="0"/>
+              <a:buChar char="◦"/>
+              <a:defRPr sz="1400" kern="1200">
+                <a:solidFill>
+                  <a:schemeClr val="tx1">
+                    <a:lumMod val="75000"/>
+                    <a:lumOff val="25000"/>
+                  </a:schemeClr>
+                </a:solidFill>
+                <a:latin typeface="+mn-lt"/>
+                <a:ea typeface="+mn-ea"/>
+                <a:cs typeface="+mn-cs"/>
+              </a:defRPr>
+            </a:lvl4pPr>
+            <a:lvl5pPr marL="932688" indent="-182880" algn="l" defTabSz="914400" rtl="0" eaLnBrk="1" latinLnBrk="0" hangingPunct="1">
+              <a:lnSpc>
+                <a:spcPct val="90000"/>
+              </a:lnSpc>
+              <a:spcBef>
+                <a:spcPts val="200"/>
+              </a:spcBef>
+              <a:spcAft>
+                <a:spcPts val="400"/>
+              </a:spcAft>
+              <a:buClr>
+                <a:schemeClr val="accent1"/>
+              </a:buClr>
+              <a:buFont typeface="Calibri" pitchFamily="34" charset="0"/>
+              <a:buChar char="◦"/>
+              <a:defRPr sz="1400" kern="1200">
+                <a:solidFill>
+                  <a:schemeClr val="tx1">
+                    <a:lumMod val="75000"/>
+                    <a:lumOff val="25000"/>
+                  </a:schemeClr>
+                </a:solidFill>
+                <a:latin typeface="+mn-lt"/>
+                <a:ea typeface="+mn-ea"/>
+                <a:cs typeface="+mn-cs"/>
+              </a:defRPr>
+            </a:lvl5pPr>
+            <a:lvl6pPr marL="1100000" indent="-228600" algn="l" defTabSz="914400" rtl="0" eaLnBrk="1" latinLnBrk="0" hangingPunct="1">
+              <a:lnSpc>
+                <a:spcPct val="90000"/>
+              </a:lnSpc>
+              <a:spcBef>
+                <a:spcPts val="200"/>
+              </a:spcBef>
+              <a:spcAft>
+                <a:spcPts val="400"/>
+              </a:spcAft>
+              <a:buClr>
+                <a:schemeClr val="accent1"/>
+              </a:buClr>
+              <a:buFont typeface="Calibri" pitchFamily="34" charset="0"/>
+              <a:buChar char="◦"/>
+              <a:defRPr sz="1400" kern="1200">
+                <a:solidFill>
+                  <a:schemeClr val="tx1">
+                    <a:lumMod val="75000"/>
+                    <a:lumOff val="25000"/>
+                  </a:schemeClr>
+                </a:solidFill>
+                <a:latin typeface="+mn-lt"/>
+                <a:ea typeface="+mn-ea"/>
+                <a:cs typeface="+mn-cs"/>
+              </a:defRPr>
+            </a:lvl6pPr>
+            <a:lvl7pPr marL="1300000" indent="-228600" algn="l" defTabSz="914400" rtl="0" eaLnBrk="1" latinLnBrk="0" hangingPunct="1">
+              <a:lnSpc>
+                <a:spcPct val="90000"/>
+              </a:lnSpc>
+              <a:spcBef>
+                <a:spcPts val="200"/>
+              </a:spcBef>
+              <a:spcAft>
+                <a:spcPts val="400"/>
+              </a:spcAft>
+              <a:buClr>
+                <a:schemeClr val="accent1"/>
+              </a:buClr>
+              <a:buFont typeface="Calibri" pitchFamily="34" charset="0"/>
+              <a:buChar char="◦"/>
+              <a:defRPr sz="1400" kern="1200">
+                <a:solidFill>
+                  <a:schemeClr val="tx1">
+                    <a:lumMod val="75000"/>
+                    <a:lumOff val="25000"/>
+                  </a:schemeClr>
+                </a:solidFill>
+                <a:latin typeface="+mn-lt"/>
+                <a:ea typeface="+mn-ea"/>
+                <a:cs typeface="+mn-cs"/>
+              </a:defRPr>
+            </a:lvl7pPr>
+            <a:lvl8pPr marL="1500000" indent="-228600" algn="l" defTabSz="914400" rtl="0" eaLnBrk="1" latinLnBrk="0" hangingPunct="1">
+              <a:lnSpc>
+                <a:spcPct val="90000"/>
+              </a:lnSpc>
+              <a:spcBef>
+                <a:spcPts val="200"/>
+              </a:spcBef>
+              <a:spcAft>
+                <a:spcPts val="400"/>
+              </a:spcAft>
+              <a:buClr>
+                <a:schemeClr val="accent1"/>
+              </a:buClr>
+              <a:buFont typeface="Calibri" pitchFamily="34" charset="0"/>
+              <a:buChar char="◦"/>
+              <a:defRPr sz="1400" kern="1200">
+                <a:solidFill>
+                  <a:schemeClr val="tx1">
+                    <a:lumMod val="75000"/>
+                    <a:lumOff val="25000"/>
+                  </a:schemeClr>
+                </a:solidFill>
+                <a:latin typeface="+mn-lt"/>
+                <a:ea typeface="+mn-ea"/>
+                <a:cs typeface="+mn-cs"/>
+              </a:defRPr>
+            </a:lvl8pPr>
+            <a:lvl9pPr marL="1700000" indent="-228600" algn="l" defTabSz="914400" rtl="0" eaLnBrk="1" latinLnBrk="0" hangingPunct="1">
+              <a:lnSpc>
+                <a:spcPct val="90000"/>
+              </a:lnSpc>
+              <a:spcBef>
+                <a:spcPts val="200"/>
+              </a:spcBef>
+              <a:spcAft>
+                <a:spcPts val="400"/>
+              </a:spcAft>
+              <a:buClr>
+                <a:schemeClr val="accent1"/>
+              </a:buClr>
+              <a:buFont typeface="Calibri" pitchFamily="34" charset="0"/>
+              <a:buChar char="◦"/>
+              <a:defRPr sz="1400" kern="1200">
+                <a:solidFill>
+                  <a:schemeClr val="tx1">
+                    <a:lumMod val="75000"/>
+                    <a:lumOff val="25000"/>
+                  </a:schemeClr>
+                </a:solidFill>
+                <a:latin typeface="+mn-lt"/>
+                <a:ea typeface="+mn-ea"/>
+                <a:cs typeface="+mn-cs"/>
+              </a:defRPr>
+            </a:lvl9pPr>
+          </a:lstStyle>
+          <a:p>
+            <a:pPr>
+              <a:buFont typeface="Arial" panose="020B0604020202020204" pitchFamily="34" charset="0"/>
+              <a:buChar char="•"/>
+            </a:pPr>
+            <a:r>
+              <a:rPr lang="pt-BR" sz="2200" dirty="0"/>
+              <a:t> </a:t>
+            </a:r>
+            <a:r>
+              <a:rPr lang="pt-BR" sz="2200" dirty="0" smtClean="0"/>
+              <a:t>O uso de grids é fundamental para se obter um bom projeto com o </a:t>
+            </a:r>
+            <a:r>
+              <a:rPr lang="pt-BR" sz="2200" dirty="0" err="1" smtClean="0"/>
+              <a:t>Bootstrap</a:t>
+            </a:r>
+            <a:r>
+              <a:rPr lang="pt-BR" sz="2200" dirty="0" smtClean="0"/>
+              <a:t>, proporcionando uma flexibilidade maior na hora de apresentar seu site para o usuário.</a:t>
+            </a:r>
+          </a:p>
+          <a:p>
+            <a:pPr>
+              <a:buFont typeface="Arial" panose="020B0604020202020204" pitchFamily="34" charset="0"/>
+              <a:buChar char="•"/>
+            </a:pPr>
+            <a:r>
+              <a:rPr lang="pt-BR" sz="2200" dirty="0"/>
+              <a:t> Possui uma lógica fácil de </a:t>
+            </a:r>
+            <a:r>
+              <a:rPr lang="pt-BR" sz="2200" dirty="0" smtClean="0"/>
+              <a:t>compreender</a:t>
+            </a:r>
+          </a:p>
+          <a:p>
+            <a:pPr>
+              <a:buFont typeface="Arial" panose="020B0604020202020204" pitchFamily="34" charset="0"/>
+              <a:buChar char="•"/>
+            </a:pPr>
+            <a:r>
+              <a:rPr lang="pt-BR" sz="2200" dirty="0"/>
+              <a:t> </a:t>
+            </a:r>
+            <a:r>
+              <a:rPr lang="pt-BR" sz="2200" dirty="0" smtClean="0"/>
+              <a:t>Possui o recurso de responsividade, tornando as páginas com visuais adaptáveis ao dispositivo que está sendo utilizado.</a:t>
+            </a:r>
+          </a:p>
+          <a:p>
+            <a:pPr>
+              <a:buFont typeface="Arial" panose="020B0604020202020204" pitchFamily="34" charset="0"/>
+              <a:buChar char="•"/>
+            </a:pPr>
+            <a:r>
+              <a:rPr lang="pt-BR" sz="2200" dirty="0"/>
+              <a:t> </a:t>
+            </a:r>
+            <a:r>
+              <a:rPr lang="pt-BR" sz="2200" dirty="0" smtClean="0"/>
+              <a:t>Adapta-se a Desktops, Tablets e Celulares sem precisar criar diversas versões do mesmo site</a:t>
+            </a:r>
+          </a:p>
+          <a:p>
+            <a:pPr>
+              <a:buFont typeface="Arial" panose="020B0604020202020204" pitchFamily="34" charset="0"/>
+              <a:buChar char="•"/>
+            </a:pPr>
+            <a:r>
+              <a:rPr lang="pt-BR" sz="2200" dirty="0" smtClean="0"/>
+              <a:t> É organizado </a:t>
+            </a:r>
+            <a:r>
+              <a:rPr lang="pt-BR" sz="2200" dirty="0"/>
+              <a:t>em 12 colunas com larguras iguais.</a:t>
+            </a:r>
+          </a:p>
+          <a:p>
+            <a:pPr>
+              <a:buFont typeface="Arial" panose="020B0604020202020204" pitchFamily="34" charset="0"/>
+              <a:buChar char="•"/>
+            </a:pPr>
+            <a:endParaRPr lang="pt-BR" dirty="0" smtClean="0"/>
+          </a:p>
+          <a:p>
+            <a:pPr>
+              <a:buFont typeface="Arial" panose="020B0604020202020204" pitchFamily="34" charset="0"/>
+              <a:buChar char="•"/>
+            </a:pPr>
+            <a:endParaRPr lang="pt-BR" dirty="0" smtClean="0"/>
+          </a:p>
+          <a:p>
+            <a:pPr>
+              <a:buFont typeface="Arial" panose="020B0604020202020204" pitchFamily="34" charset="0"/>
+              <a:buChar char="•"/>
+            </a:pPr>
+            <a:endParaRPr lang="pt-BR" dirty="0" smtClean="0"/>
+          </a:p>
+          <a:p>
+            <a:pPr>
+              <a:buFont typeface="Arial" panose="020B0604020202020204" pitchFamily="34" charset="0"/>
+              <a:buChar char="•"/>
+            </a:pPr>
+            <a:endParaRPr lang="pt-BR" dirty="0" smtClean="0"/>
+          </a:p>
+          <a:p>
+            <a:pPr marL="0" indent="0">
+              <a:buNone/>
+            </a:pPr>
+            <a:endParaRPr lang="pt-BR" dirty="0"/>
+          </a:p>
+        </p:txBody>
+      </p:sp>
+      <p:pic>
+        <p:nvPicPr>
+          <p:cNvPr id="12" name="Imagem 11"/>
+          <p:cNvPicPr>
+            <a:picLocks noChangeAspect="1"/>
+          </p:cNvPicPr>
+          <p:nvPr/>
+        </p:nvPicPr>
+        <p:blipFill>
+          <a:blip r:embed="rId2"/>
+          <a:stretch>
+            <a:fillRect/>
+          </a:stretch>
+        </p:blipFill>
+        <p:spPr>
+          <a:xfrm>
+            <a:off x="11037194" y="5543154"/>
+            <a:ext cx="1154806" cy="777824"/>
+          </a:xfrm>
+          <a:prstGeom prst="rect">
+            <a:avLst/>
+          </a:prstGeom>
+        </p:spPr>
+      </p:pic>
+    </p:spTree>
+    <p:extLst>
+      <p:ext uri="{BB962C8B-B14F-4D97-AF65-F5344CB8AC3E}">
+        <p14:creationId xmlns:p14="http://schemas.microsoft.com/office/powerpoint/2010/main" val="2023812925"/>
+      </p:ext>
+    </p:extLst>
+  </p:cSld>
+  <p:clrMapOvr>
+    <a:masterClrMapping/>
+  </p:clrMapOvr>
+  <p:timing>
+    <p:tnLst>
+      <p:par>
+        <p:cTn id="1" dur="indefinite" restart="never" nodeType="tmRoot"/>
+      </p:par>
+    </p:tnLst>
+  </p:timing>
 </p:sld>
 </file>
 
@@ -5580,34 +7493,798 @@
             <p:ph type="title"/>
           </p:nvPr>
         </p:nvSpPr>
-        <p:spPr/>
+        <p:spPr>
+          <a:xfrm>
+            <a:off x="1151508" y="927279"/>
+            <a:ext cx="10058400" cy="771445"/>
+          </a:xfrm>
+        </p:spPr>
         <p:txBody>
           <a:bodyPr/>
           <a:lstStyle/>
           <a:p>
-            <a:endParaRPr lang="pt-BR"/>
+            <a:pPr algn="ctr"/>
+            <a:r>
+              <a:rPr lang="pt-BR" dirty="0" smtClean="0"/>
+              <a:t>Grids – Como Funciona?</a:t>
+            </a:r>
+            <a:endParaRPr lang="pt-BR" dirty="0"/>
           </a:p>
         </p:txBody>
       </p:sp>
       <p:sp>
         <p:nvSpPr>
-          <p:cNvPr id="3" name="Espaço Reservado para Conteúdo 2"/>
-          <p:cNvSpPr>
-            <a:spLocks noGrp="1"/>
+          <p:cNvPr id="6" name="Espaço Reservado para Conteúdo 2"/>
+          <p:cNvSpPr txBox="1">
+            <a:spLocks/>
           </p:cNvSpPr>
-          <p:nvPr>
-            <p:ph idx="1"/>
-          </p:nvPr>
-        </p:nvSpPr>
-        <p:spPr/>
+          <p:nvPr/>
+        </p:nvSpPr>
+        <p:spPr>
+          <a:xfrm>
+            <a:off x="1097280" y="1845734"/>
+            <a:ext cx="10112628" cy="4490672"/>
+          </a:xfrm>
+          <a:prstGeom prst="rect">
+            <a:avLst/>
+          </a:prstGeom>
+        </p:spPr>
         <p:txBody>
-          <a:bodyPr/>
-          <a:lstStyle/>
-          <a:p>
-            <a:endParaRPr lang="pt-BR"/>
+          <a:bodyPr vert="horz" lIns="0" tIns="45720" rIns="0" bIns="45720" rtlCol="0">
+            <a:normAutofit lnSpcReduction="10000"/>
+          </a:bodyPr>
+          <a:lstStyle>
+            <a:lvl1pPr marL="91440" indent="-91440" algn="l" defTabSz="914400" rtl="0" eaLnBrk="1" latinLnBrk="0" hangingPunct="1">
+              <a:lnSpc>
+                <a:spcPct val="90000"/>
+              </a:lnSpc>
+              <a:spcBef>
+                <a:spcPts val="1200"/>
+              </a:spcBef>
+              <a:spcAft>
+                <a:spcPts val="200"/>
+              </a:spcAft>
+              <a:buClr>
+                <a:schemeClr val="accent1"/>
+              </a:buClr>
+              <a:buSzPct val="100000"/>
+              <a:buFont typeface="Calibri" panose="020F0502020204030204" pitchFamily="34" charset="0"/>
+              <a:buChar char=" "/>
+              <a:defRPr sz="2000" kern="1200">
+                <a:solidFill>
+                  <a:schemeClr val="tx1">
+                    <a:lumMod val="75000"/>
+                    <a:lumOff val="25000"/>
+                  </a:schemeClr>
+                </a:solidFill>
+                <a:latin typeface="+mn-lt"/>
+                <a:ea typeface="+mn-ea"/>
+                <a:cs typeface="+mn-cs"/>
+              </a:defRPr>
+            </a:lvl1pPr>
+            <a:lvl2pPr marL="384048" indent="-182880" algn="l" defTabSz="914400" rtl="0" eaLnBrk="1" latinLnBrk="0" hangingPunct="1">
+              <a:lnSpc>
+                <a:spcPct val="90000"/>
+              </a:lnSpc>
+              <a:spcBef>
+                <a:spcPts val="200"/>
+              </a:spcBef>
+              <a:spcAft>
+                <a:spcPts val="400"/>
+              </a:spcAft>
+              <a:buClr>
+                <a:schemeClr val="accent1"/>
+              </a:buClr>
+              <a:buFont typeface="Calibri" pitchFamily="34" charset="0"/>
+              <a:buChar char="◦"/>
+              <a:defRPr sz="1800" kern="1200">
+                <a:solidFill>
+                  <a:schemeClr val="tx1">
+                    <a:lumMod val="75000"/>
+                    <a:lumOff val="25000"/>
+                  </a:schemeClr>
+                </a:solidFill>
+                <a:latin typeface="+mn-lt"/>
+                <a:ea typeface="+mn-ea"/>
+                <a:cs typeface="+mn-cs"/>
+              </a:defRPr>
+            </a:lvl2pPr>
+            <a:lvl3pPr marL="566928" indent="-182880" algn="l" defTabSz="914400" rtl="0" eaLnBrk="1" latinLnBrk="0" hangingPunct="1">
+              <a:lnSpc>
+                <a:spcPct val="90000"/>
+              </a:lnSpc>
+              <a:spcBef>
+                <a:spcPts val="200"/>
+              </a:spcBef>
+              <a:spcAft>
+                <a:spcPts val="400"/>
+              </a:spcAft>
+              <a:buClr>
+                <a:schemeClr val="accent1"/>
+              </a:buClr>
+              <a:buFont typeface="Calibri" pitchFamily="34" charset="0"/>
+              <a:buChar char="◦"/>
+              <a:defRPr sz="1400" kern="1200">
+                <a:solidFill>
+                  <a:schemeClr val="tx1">
+                    <a:lumMod val="75000"/>
+                    <a:lumOff val="25000"/>
+                  </a:schemeClr>
+                </a:solidFill>
+                <a:latin typeface="+mn-lt"/>
+                <a:ea typeface="+mn-ea"/>
+                <a:cs typeface="+mn-cs"/>
+              </a:defRPr>
+            </a:lvl3pPr>
+            <a:lvl4pPr marL="749808" indent="-182880" algn="l" defTabSz="914400" rtl="0" eaLnBrk="1" latinLnBrk="0" hangingPunct="1">
+              <a:lnSpc>
+                <a:spcPct val="90000"/>
+              </a:lnSpc>
+              <a:spcBef>
+                <a:spcPts val="200"/>
+              </a:spcBef>
+              <a:spcAft>
+                <a:spcPts val="400"/>
+              </a:spcAft>
+              <a:buClr>
+                <a:schemeClr val="accent1"/>
+              </a:buClr>
+              <a:buFont typeface="Calibri" pitchFamily="34" charset="0"/>
+              <a:buChar char="◦"/>
+              <a:defRPr sz="1400" kern="1200">
+                <a:solidFill>
+                  <a:schemeClr val="tx1">
+                    <a:lumMod val="75000"/>
+                    <a:lumOff val="25000"/>
+                  </a:schemeClr>
+                </a:solidFill>
+                <a:latin typeface="+mn-lt"/>
+                <a:ea typeface="+mn-ea"/>
+                <a:cs typeface="+mn-cs"/>
+              </a:defRPr>
+            </a:lvl4pPr>
+            <a:lvl5pPr marL="932688" indent="-182880" algn="l" defTabSz="914400" rtl="0" eaLnBrk="1" latinLnBrk="0" hangingPunct="1">
+              <a:lnSpc>
+                <a:spcPct val="90000"/>
+              </a:lnSpc>
+              <a:spcBef>
+                <a:spcPts val="200"/>
+              </a:spcBef>
+              <a:spcAft>
+                <a:spcPts val="400"/>
+              </a:spcAft>
+              <a:buClr>
+                <a:schemeClr val="accent1"/>
+              </a:buClr>
+              <a:buFont typeface="Calibri" pitchFamily="34" charset="0"/>
+              <a:buChar char="◦"/>
+              <a:defRPr sz="1400" kern="1200">
+                <a:solidFill>
+                  <a:schemeClr val="tx1">
+                    <a:lumMod val="75000"/>
+                    <a:lumOff val="25000"/>
+                  </a:schemeClr>
+                </a:solidFill>
+                <a:latin typeface="+mn-lt"/>
+                <a:ea typeface="+mn-ea"/>
+                <a:cs typeface="+mn-cs"/>
+              </a:defRPr>
+            </a:lvl5pPr>
+            <a:lvl6pPr marL="1100000" indent="-228600" algn="l" defTabSz="914400" rtl="0" eaLnBrk="1" latinLnBrk="0" hangingPunct="1">
+              <a:lnSpc>
+                <a:spcPct val="90000"/>
+              </a:lnSpc>
+              <a:spcBef>
+                <a:spcPts val="200"/>
+              </a:spcBef>
+              <a:spcAft>
+                <a:spcPts val="400"/>
+              </a:spcAft>
+              <a:buClr>
+                <a:schemeClr val="accent1"/>
+              </a:buClr>
+              <a:buFont typeface="Calibri" pitchFamily="34" charset="0"/>
+              <a:buChar char="◦"/>
+              <a:defRPr sz="1400" kern="1200">
+                <a:solidFill>
+                  <a:schemeClr val="tx1">
+                    <a:lumMod val="75000"/>
+                    <a:lumOff val="25000"/>
+                  </a:schemeClr>
+                </a:solidFill>
+                <a:latin typeface="+mn-lt"/>
+                <a:ea typeface="+mn-ea"/>
+                <a:cs typeface="+mn-cs"/>
+              </a:defRPr>
+            </a:lvl6pPr>
+            <a:lvl7pPr marL="1300000" indent="-228600" algn="l" defTabSz="914400" rtl="0" eaLnBrk="1" latinLnBrk="0" hangingPunct="1">
+              <a:lnSpc>
+                <a:spcPct val="90000"/>
+              </a:lnSpc>
+              <a:spcBef>
+                <a:spcPts val="200"/>
+              </a:spcBef>
+              <a:spcAft>
+                <a:spcPts val="400"/>
+              </a:spcAft>
+              <a:buClr>
+                <a:schemeClr val="accent1"/>
+              </a:buClr>
+              <a:buFont typeface="Calibri" pitchFamily="34" charset="0"/>
+              <a:buChar char="◦"/>
+              <a:defRPr sz="1400" kern="1200">
+                <a:solidFill>
+                  <a:schemeClr val="tx1">
+                    <a:lumMod val="75000"/>
+                    <a:lumOff val="25000"/>
+                  </a:schemeClr>
+                </a:solidFill>
+                <a:latin typeface="+mn-lt"/>
+                <a:ea typeface="+mn-ea"/>
+                <a:cs typeface="+mn-cs"/>
+              </a:defRPr>
+            </a:lvl7pPr>
+            <a:lvl8pPr marL="1500000" indent="-228600" algn="l" defTabSz="914400" rtl="0" eaLnBrk="1" latinLnBrk="0" hangingPunct="1">
+              <a:lnSpc>
+                <a:spcPct val="90000"/>
+              </a:lnSpc>
+              <a:spcBef>
+                <a:spcPts val="200"/>
+              </a:spcBef>
+              <a:spcAft>
+                <a:spcPts val="400"/>
+              </a:spcAft>
+              <a:buClr>
+                <a:schemeClr val="accent1"/>
+              </a:buClr>
+              <a:buFont typeface="Calibri" pitchFamily="34" charset="0"/>
+              <a:buChar char="◦"/>
+              <a:defRPr sz="1400" kern="1200">
+                <a:solidFill>
+                  <a:schemeClr val="tx1">
+                    <a:lumMod val="75000"/>
+                    <a:lumOff val="25000"/>
+                  </a:schemeClr>
+                </a:solidFill>
+                <a:latin typeface="+mn-lt"/>
+                <a:ea typeface="+mn-ea"/>
+                <a:cs typeface="+mn-cs"/>
+              </a:defRPr>
+            </a:lvl8pPr>
+            <a:lvl9pPr marL="1700000" indent="-228600" algn="l" defTabSz="914400" rtl="0" eaLnBrk="1" latinLnBrk="0" hangingPunct="1">
+              <a:lnSpc>
+                <a:spcPct val="90000"/>
+              </a:lnSpc>
+              <a:spcBef>
+                <a:spcPts val="200"/>
+              </a:spcBef>
+              <a:spcAft>
+                <a:spcPts val="400"/>
+              </a:spcAft>
+              <a:buClr>
+                <a:schemeClr val="accent1"/>
+              </a:buClr>
+              <a:buFont typeface="Calibri" pitchFamily="34" charset="0"/>
+              <a:buChar char="◦"/>
+              <a:defRPr sz="1400" kern="1200">
+                <a:solidFill>
+                  <a:schemeClr val="tx1">
+                    <a:lumMod val="75000"/>
+                    <a:lumOff val="25000"/>
+                  </a:schemeClr>
+                </a:solidFill>
+                <a:latin typeface="+mn-lt"/>
+                <a:ea typeface="+mn-ea"/>
+                <a:cs typeface="+mn-cs"/>
+              </a:defRPr>
+            </a:lvl9pPr>
+          </a:lstStyle>
+          <a:p>
+            <a:pPr>
+              <a:buFont typeface="Arial" panose="020B0604020202020204" pitchFamily="34" charset="0"/>
+              <a:buChar char="•"/>
+            </a:pPr>
+            <a:r>
+              <a:rPr lang="pt-BR" sz="2200" dirty="0" smtClean="0"/>
+              <a:t> As linhas devem ser colocadas dentro de um </a:t>
+            </a:r>
+            <a:r>
+              <a:rPr lang="pt-BR" sz="2200" b="1" dirty="0" smtClean="0"/>
+              <a:t>.container</a:t>
+            </a:r>
+            <a:r>
+              <a:rPr lang="pt-BR" sz="2200" dirty="0" smtClean="0"/>
+              <a:t>(largura fixa) ou </a:t>
+            </a:r>
+            <a:r>
+              <a:rPr lang="pt-BR" sz="2200" b="1" dirty="0" smtClean="0"/>
+              <a:t>.container-</a:t>
+            </a:r>
+            <a:r>
+              <a:rPr lang="pt-BR" sz="2200" b="1" dirty="0" err="1" smtClean="0"/>
+              <a:t>fluid</a:t>
+            </a:r>
+            <a:r>
+              <a:rPr lang="pt-BR" sz="2200" dirty="0" smtClean="0"/>
+              <a:t>(largura total) para o alinhamento correto.</a:t>
+            </a:r>
+          </a:p>
+          <a:p>
+            <a:pPr>
+              <a:buFont typeface="Arial" panose="020B0604020202020204" pitchFamily="34" charset="0"/>
+              <a:buChar char="•"/>
+            </a:pPr>
+            <a:r>
+              <a:rPr lang="pt-BR" sz="2200" b="1" dirty="0"/>
+              <a:t> </a:t>
+            </a:r>
+            <a:r>
+              <a:rPr lang="pt-BR" sz="2200" dirty="0" smtClean="0"/>
+              <a:t>Use </a:t>
+            </a:r>
+            <a:r>
+              <a:rPr lang="pt-BR" sz="2200" b="1" dirty="0" smtClean="0"/>
+              <a:t>.</a:t>
+            </a:r>
+            <a:r>
+              <a:rPr lang="pt-BR" sz="2200" b="1" dirty="0" err="1" smtClean="0"/>
+              <a:t>row</a:t>
+            </a:r>
+            <a:r>
+              <a:rPr lang="pt-BR" sz="2200" dirty="0" smtClean="0"/>
+              <a:t>(linha) para criar grupos horizontais de colunas.</a:t>
+            </a:r>
+          </a:p>
+          <a:p>
+            <a:pPr>
+              <a:buFont typeface="Arial" panose="020B0604020202020204" pitchFamily="34" charset="0"/>
+              <a:buChar char="•"/>
+            </a:pPr>
+            <a:r>
+              <a:rPr lang="pt-BR" sz="2200" b="1" dirty="0"/>
+              <a:t> </a:t>
+            </a:r>
+            <a:r>
+              <a:rPr lang="pt-BR" sz="2200" dirty="0" smtClean="0"/>
+              <a:t>O conteúdo deve ser colocado dentro de </a:t>
+            </a:r>
+            <a:r>
+              <a:rPr lang="pt-BR" sz="2200" b="1" dirty="0" smtClean="0"/>
+              <a:t>.</a:t>
+            </a:r>
+            <a:r>
+              <a:rPr lang="pt-BR" sz="2200" b="1" dirty="0" err="1" smtClean="0"/>
+              <a:t>col</a:t>
+            </a:r>
+            <a:r>
+              <a:rPr lang="pt-BR" sz="2200" dirty="0" smtClean="0"/>
+              <a:t>(colunas), e somente as </a:t>
+            </a:r>
+            <a:r>
+              <a:rPr lang="pt-BR" sz="2200" b="1" dirty="0" smtClean="0"/>
+              <a:t>.</a:t>
+            </a:r>
+            <a:r>
+              <a:rPr lang="pt-BR" sz="2200" b="1" dirty="0" err="1" smtClean="0"/>
+              <a:t>col</a:t>
+            </a:r>
+            <a:r>
+              <a:rPr lang="pt-BR" sz="2200" dirty="0" smtClean="0"/>
+              <a:t>(colunas) poder ser filhas imediatas da </a:t>
+            </a:r>
+            <a:r>
+              <a:rPr lang="pt-BR" sz="2200" b="1" dirty="0" smtClean="0"/>
+              <a:t>.</a:t>
+            </a:r>
+            <a:r>
+              <a:rPr lang="pt-BR" sz="2200" b="1" dirty="0" err="1" smtClean="0"/>
+              <a:t>row</a:t>
+            </a:r>
+            <a:r>
+              <a:rPr lang="pt-BR" sz="2200" dirty="0" smtClean="0"/>
+              <a:t>(linha).</a:t>
+            </a:r>
+          </a:p>
+          <a:p>
+            <a:pPr>
+              <a:buFont typeface="Arial" panose="020B0604020202020204" pitchFamily="34" charset="0"/>
+              <a:buChar char="•"/>
+            </a:pPr>
+            <a:r>
+              <a:rPr lang="pt-BR" sz="2200" dirty="0"/>
+              <a:t> </a:t>
+            </a:r>
+            <a:r>
+              <a:rPr lang="pt-BR" sz="2200" dirty="0" smtClean="0"/>
+              <a:t>As </a:t>
+            </a:r>
+            <a:r>
+              <a:rPr lang="pt-BR" sz="2200" b="1" dirty="0" smtClean="0"/>
+              <a:t>.</a:t>
+            </a:r>
+            <a:r>
+              <a:rPr lang="pt-BR" sz="2200" b="1" dirty="0" err="1" smtClean="0"/>
+              <a:t>row</a:t>
+            </a:r>
+            <a:r>
+              <a:rPr lang="pt-BR" sz="2200" dirty="0" smtClean="0"/>
+              <a:t>(linhas) são compostas de até 12 </a:t>
+            </a:r>
+            <a:r>
+              <a:rPr lang="pt-BR" sz="2200" b="1" dirty="0" smtClean="0"/>
+              <a:t>.</a:t>
+            </a:r>
+            <a:r>
+              <a:rPr lang="pt-BR" sz="2200" b="1" dirty="0" err="1" smtClean="0"/>
+              <a:t>col</a:t>
+            </a:r>
+            <a:r>
+              <a:rPr lang="pt-BR" sz="2200" dirty="0" smtClean="0"/>
+              <a:t>(colunas).</a:t>
+            </a:r>
+          </a:p>
+          <a:p>
+            <a:pPr>
+              <a:buFont typeface="Arial" panose="020B0604020202020204" pitchFamily="34" charset="0"/>
+              <a:buChar char="•"/>
+            </a:pPr>
+            <a:r>
+              <a:rPr lang="pt-BR" sz="2200" dirty="0" smtClean="0"/>
+              <a:t> Se </a:t>
+            </a:r>
+            <a:r>
+              <a:rPr lang="pt-BR" sz="2200" dirty="0"/>
+              <a:t>houver mais de 12 </a:t>
+            </a:r>
+            <a:r>
+              <a:rPr lang="pt-BR" sz="2200" b="1" dirty="0" smtClean="0"/>
+              <a:t>.</a:t>
+            </a:r>
+            <a:r>
+              <a:rPr lang="pt-BR" sz="2200" b="1" dirty="0" err="1" smtClean="0"/>
+              <a:t>col</a:t>
+            </a:r>
+            <a:r>
+              <a:rPr lang="pt-BR" sz="2200" dirty="0" smtClean="0"/>
+              <a:t>(colunas) </a:t>
+            </a:r>
+            <a:r>
+              <a:rPr lang="pt-BR" sz="2200" dirty="0"/>
+              <a:t>na mesma </a:t>
+            </a:r>
+            <a:r>
+              <a:rPr lang="pt-BR" sz="2200" b="1" dirty="0" smtClean="0"/>
+              <a:t>.</a:t>
+            </a:r>
+            <a:r>
+              <a:rPr lang="pt-BR" sz="2200" b="1" dirty="0" err="1" smtClean="0"/>
+              <a:t>row</a:t>
+            </a:r>
+            <a:r>
+              <a:rPr lang="pt-BR" sz="2200" dirty="0" smtClean="0"/>
+              <a:t>(linha</a:t>
+            </a:r>
+            <a:r>
+              <a:rPr lang="pt-BR" sz="2200" dirty="0"/>
+              <a:t>)</a:t>
+            </a:r>
+            <a:r>
+              <a:rPr lang="pt-BR" sz="2200" dirty="0" smtClean="0"/>
+              <a:t>,</a:t>
+            </a:r>
+            <a:r>
+              <a:rPr lang="pt-BR" sz="2200" dirty="0"/>
+              <a:t> as 12 </a:t>
+            </a:r>
+            <a:r>
+              <a:rPr lang="pt-BR" sz="2200" dirty="0" smtClean="0"/>
+              <a:t>primeiras </a:t>
+            </a:r>
+            <a:r>
+              <a:rPr lang="pt-BR" sz="2200" b="1" dirty="0"/>
+              <a:t>.</a:t>
+            </a:r>
+            <a:r>
+              <a:rPr lang="pt-BR" sz="2200" b="1" dirty="0" err="1" smtClean="0"/>
+              <a:t>col</a:t>
+            </a:r>
+            <a:r>
+              <a:rPr lang="pt-BR" sz="2200" dirty="0" smtClean="0"/>
+              <a:t>(colunas) ficarão </a:t>
+            </a:r>
+            <a:r>
+              <a:rPr lang="pt-BR" sz="2200" dirty="0"/>
+              <a:t>na primeira </a:t>
+            </a:r>
+            <a:r>
+              <a:rPr lang="pt-BR" sz="2200" b="1" dirty="0"/>
+              <a:t>.</a:t>
+            </a:r>
+            <a:r>
+              <a:rPr lang="pt-BR" sz="2200" b="1" dirty="0" err="1" smtClean="0"/>
+              <a:t>row</a:t>
+            </a:r>
+            <a:r>
+              <a:rPr lang="pt-BR" sz="2200" dirty="0" smtClean="0"/>
+              <a:t>(linha), </a:t>
+            </a:r>
+            <a:r>
+              <a:rPr lang="pt-BR" sz="2200" dirty="0"/>
+              <a:t>as 12 segundas </a:t>
+            </a:r>
+            <a:r>
+              <a:rPr lang="pt-BR" sz="2200" b="1" dirty="0"/>
+              <a:t>.</a:t>
+            </a:r>
+            <a:r>
+              <a:rPr lang="pt-BR" sz="2200" b="1" dirty="0" err="1"/>
+              <a:t>col</a:t>
+            </a:r>
+            <a:r>
+              <a:rPr lang="pt-BR" sz="2200" dirty="0"/>
+              <a:t>(colunas)</a:t>
+            </a:r>
+            <a:r>
+              <a:rPr lang="pt-BR" sz="2200" dirty="0" smtClean="0"/>
+              <a:t> </a:t>
+            </a:r>
+            <a:r>
+              <a:rPr lang="pt-BR" sz="2200" dirty="0"/>
+              <a:t>na segunda </a:t>
+            </a:r>
+            <a:r>
+              <a:rPr lang="pt-BR" sz="2200" b="1" dirty="0"/>
+              <a:t>.</a:t>
+            </a:r>
+            <a:r>
+              <a:rPr lang="pt-BR" sz="2200" b="1" dirty="0" err="1"/>
+              <a:t>row</a:t>
+            </a:r>
+            <a:r>
+              <a:rPr lang="pt-BR" sz="2200" dirty="0"/>
+              <a:t>(linhas) </a:t>
+            </a:r>
+            <a:r>
+              <a:rPr lang="pt-BR" sz="2200" dirty="0" smtClean="0"/>
+              <a:t>e </a:t>
+            </a:r>
+            <a:r>
+              <a:rPr lang="pt-BR" sz="2200" dirty="0"/>
+              <a:t>assim por diante</a:t>
+            </a:r>
+            <a:r>
+              <a:rPr lang="pt-BR" sz="2200" dirty="0" smtClean="0"/>
+              <a:t>.</a:t>
+            </a:r>
+          </a:p>
+          <a:p>
+            <a:pPr>
+              <a:buFont typeface="Arial" panose="020B0604020202020204" pitchFamily="34" charset="0"/>
+              <a:buChar char="•"/>
+            </a:pPr>
+            <a:r>
+              <a:rPr lang="pt-BR" sz="2200" dirty="0" smtClean="0"/>
+              <a:t> Para tratar o comportamento das grids em cada dispositivo (Desktop, Tablet e Celular), utiliza-se as seguintes classes: </a:t>
+            </a:r>
+            <a:r>
+              <a:rPr lang="pt-BR" sz="2200" b="1" dirty="0" smtClean="0"/>
+              <a:t>.</a:t>
+            </a:r>
+            <a:r>
+              <a:rPr lang="pt-BR" sz="2200" b="1" dirty="0" err="1" smtClean="0"/>
+              <a:t>col-lg</a:t>
+            </a:r>
+            <a:r>
+              <a:rPr lang="pt-BR" sz="2200" b="1" dirty="0" smtClean="0"/>
+              <a:t>-* (&gt;=1200px) </a:t>
+            </a:r>
+            <a:r>
+              <a:rPr lang="pt-BR" sz="2200" dirty="0" smtClean="0"/>
+              <a:t>para dispositivos grandes, </a:t>
+            </a:r>
+            <a:r>
+              <a:rPr lang="pt-BR" sz="2200" b="1" dirty="0" smtClean="0"/>
+              <a:t>.</a:t>
+            </a:r>
+            <a:r>
+              <a:rPr lang="pt-BR" sz="2200" b="1" dirty="0" err="1" smtClean="0"/>
+              <a:t>col-md</a:t>
+            </a:r>
+            <a:r>
+              <a:rPr lang="pt-BR" sz="2200" b="1" dirty="0" smtClean="0"/>
+              <a:t>-* (&gt;=992px</a:t>
+            </a:r>
+            <a:r>
+              <a:rPr lang="pt-BR" sz="2200" b="1" dirty="0"/>
+              <a:t>)</a:t>
+            </a:r>
+            <a:r>
+              <a:rPr lang="pt-BR" sz="2200" b="1" dirty="0" smtClean="0"/>
+              <a:t> </a:t>
+            </a:r>
+            <a:r>
+              <a:rPr lang="pt-BR" sz="2200" dirty="0" smtClean="0"/>
+              <a:t>para dispositivos médios, </a:t>
+            </a:r>
+            <a:r>
+              <a:rPr lang="pt-BR" sz="2200" b="1" dirty="0" smtClean="0"/>
+              <a:t>.</a:t>
+            </a:r>
+            <a:r>
+              <a:rPr lang="pt-BR" sz="2200" b="1" dirty="0" err="1" smtClean="0"/>
+              <a:t>col-sm</a:t>
+            </a:r>
+            <a:r>
+              <a:rPr lang="pt-BR" sz="2200" b="1" dirty="0" smtClean="0"/>
+              <a:t>-* (&gt;=768px) </a:t>
+            </a:r>
+            <a:r>
+              <a:rPr lang="pt-BR" sz="2200" dirty="0" smtClean="0"/>
+              <a:t>para dispositivos pequenos.</a:t>
+            </a:r>
+          </a:p>
+          <a:p>
+            <a:pPr>
+              <a:buFont typeface="Arial" panose="020B0604020202020204" pitchFamily="34" charset="0"/>
+              <a:buChar char="•"/>
+            </a:pPr>
+            <a:endParaRPr lang="pt-BR" dirty="0"/>
+          </a:p>
+          <a:p>
+            <a:pPr>
+              <a:buFont typeface="Arial" panose="020B0604020202020204" pitchFamily="34" charset="0"/>
+              <a:buChar char="•"/>
+            </a:pPr>
+            <a:endParaRPr lang="pt-BR" dirty="0" smtClean="0"/>
+          </a:p>
+          <a:p>
+            <a:pPr>
+              <a:buFont typeface="Arial" panose="020B0604020202020204" pitchFamily="34" charset="0"/>
+              <a:buChar char="•"/>
+            </a:pPr>
+            <a:endParaRPr lang="pt-BR" dirty="0" smtClean="0"/>
+          </a:p>
+          <a:p>
+            <a:pPr marL="0" indent="0">
+              <a:buNone/>
+            </a:pPr>
+            <a:endParaRPr lang="pt-BR" dirty="0"/>
           </a:p>
         </p:txBody>
       </p:sp>
+      <p:pic>
+        <p:nvPicPr>
+          <p:cNvPr id="7" name="Imagem 6"/>
+          <p:cNvPicPr>
+            <a:picLocks noChangeAspect="1"/>
+          </p:cNvPicPr>
+          <p:nvPr/>
+        </p:nvPicPr>
+        <p:blipFill>
+          <a:blip r:embed="rId2"/>
+          <a:stretch>
+            <a:fillRect/>
+          </a:stretch>
+        </p:blipFill>
+        <p:spPr>
+          <a:xfrm>
+            <a:off x="11037194" y="5543154"/>
+            <a:ext cx="1154806" cy="777824"/>
+          </a:xfrm>
+          <a:prstGeom prst="rect">
+            <a:avLst/>
+          </a:prstGeom>
+        </p:spPr>
+      </p:pic>
+    </p:spTree>
+    <p:extLst>
+      <p:ext uri="{BB962C8B-B14F-4D97-AF65-F5344CB8AC3E}">
+        <p14:creationId xmlns:p14="http://schemas.microsoft.com/office/powerpoint/2010/main" val="1337064658"/>
+      </p:ext>
+    </p:extLst>
+  </p:cSld>
+  <p:clrMapOvr>
+    <a:masterClrMapping/>
+  </p:clrMapOvr>
+  <p:timing>
+    <p:tnLst>
+      <p:par>
+        <p:cTn id="1" dur="indefinite" restart="never" nodeType="tmRoot"/>
+      </p:par>
+    </p:tnLst>
+  </p:timing>
+</p:sld>
+</file>
+
+<file path=ppt/slides/slide7.xml><?xml version="1.0" encoding="utf-8"?>
+<p:sld xmlns:a="http://schemas.openxmlformats.org/drawingml/2006/main" xmlns:r="http://schemas.openxmlformats.org/officeDocument/2006/relationships" xmlns:p="http://schemas.openxmlformats.org/presentationml/2006/main">
+  <p:cSld>
+    <p:spTree>
+      <p:nvGrpSpPr>
+        <p:cNvPr id="1" name=""/>
+        <p:cNvGrpSpPr/>
+        <p:nvPr/>
+      </p:nvGrpSpPr>
+      <p:grpSpPr>
+        <a:xfrm>
+          <a:off x="0" y="0"/>
+          <a:ext cx="0" cy="0"/>
+          <a:chOff x="0" y="0"/>
+          <a:chExt cx="0" cy="0"/>
+        </a:xfrm>
+      </p:grpSpPr>
+      <p:pic>
+        <p:nvPicPr>
+          <p:cNvPr id="5" name="Imagem 4"/>
+          <p:cNvPicPr>
+            <a:picLocks noChangeAspect="1"/>
+          </p:cNvPicPr>
+          <p:nvPr/>
+        </p:nvPicPr>
+        <p:blipFill>
+          <a:blip r:embed="rId2"/>
+          <a:stretch>
+            <a:fillRect/>
+          </a:stretch>
+        </p:blipFill>
+        <p:spPr>
+          <a:xfrm>
+            <a:off x="0" y="0"/>
+            <a:ext cx="12192000" cy="4809119"/>
+          </a:xfrm>
+          <a:prstGeom prst="rect">
+            <a:avLst/>
+          </a:prstGeom>
+        </p:spPr>
+      </p:pic>
+      <p:pic>
+        <p:nvPicPr>
+          <p:cNvPr id="7" name="Imagem 6"/>
+          <p:cNvPicPr>
+            <a:picLocks noChangeAspect="1"/>
+          </p:cNvPicPr>
+          <p:nvPr/>
+        </p:nvPicPr>
+        <p:blipFill>
+          <a:blip r:embed="rId3"/>
+          <a:stretch>
+            <a:fillRect/>
+          </a:stretch>
+        </p:blipFill>
+        <p:spPr>
+          <a:xfrm>
+            <a:off x="1576496" y="2900496"/>
+            <a:ext cx="9039008" cy="3397273"/>
+          </a:xfrm>
+          <a:prstGeom prst="rect">
+            <a:avLst/>
+          </a:prstGeom>
+        </p:spPr>
+      </p:pic>
+      <p:pic>
+        <p:nvPicPr>
+          <p:cNvPr id="9" name="Imagem 8"/>
+          <p:cNvPicPr>
+            <a:picLocks noChangeAspect="1"/>
+          </p:cNvPicPr>
+          <p:nvPr/>
+        </p:nvPicPr>
+        <p:blipFill>
+          <a:blip r:embed="rId4"/>
+          <a:stretch>
+            <a:fillRect/>
+          </a:stretch>
+        </p:blipFill>
+        <p:spPr>
+          <a:xfrm>
+            <a:off x="11037194" y="5543154"/>
+            <a:ext cx="1154806" cy="777824"/>
+          </a:xfrm>
+          <a:prstGeom prst="rect">
+            <a:avLst/>
+          </a:prstGeom>
+        </p:spPr>
+      </p:pic>
     </p:spTree>
     <p:extLst>
       <p:ext uri="{BB962C8B-B14F-4D97-AF65-F5344CB8AC3E}">
@@ -5618,6 +8295,637 @@
   <p:clrMapOvr>
     <a:masterClrMapping/>
   </p:clrMapOvr>
+  <p:timing>
+    <p:tnLst>
+      <p:par>
+        <p:cTn id="1" dur="indefinite" restart="never" nodeType="tmRoot"/>
+      </p:par>
+    </p:tnLst>
+  </p:timing>
+</p:sld>
+</file>
+
+<file path=ppt/slides/slide8.xml><?xml version="1.0" encoding="utf-8"?>
+<p:sld xmlns:a="http://schemas.openxmlformats.org/drawingml/2006/main" xmlns:r="http://schemas.openxmlformats.org/officeDocument/2006/relationships" xmlns:p="http://schemas.openxmlformats.org/presentationml/2006/main">
+  <p:cSld>
+    <p:spTree>
+      <p:nvGrpSpPr>
+        <p:cNvPr id="1" name=""/>
+        <p:cNvGrpSpPr/>
+        <p:nvPr/>
+      </p:nvGrpSpPr>
+      <p:grpSpPr>
+        <a:xfrm>
+          <a:off x="0" y="0"/>
+          <a:ext cx="0" cy="0"/>
+          <a:chOff x="0" y="0"/>
+          <a:chExt cx="0" cy="0"/>
+        </a:xfrm>
+      </p:grpSpPr>
+      <p:sp>
+        <p:nvSpPr>
+          <p:cNvPr id="2" name="Título 1"/>
+          <p:cNvSpPr>
+            <a:spLocks noGrp="1"/>
+          </p:cNvSpPr>
+          <p:nvPr>
+            <p:ph type="title"/>
+          </p:nvPr>
+        </p:nvSpPr>
+        <p:spPr>
+          <a:xfrm>
+            <a:off x="1151508" y="927279"/>
+            <a:ext cx="10058400" cy="771445"/>
+          </a:xfrm>
+        </p:spPr>
+        <p:txBody>
+          <a:bodyPr/>
+          <a:lstStyle/>
+          <a:p>
+            <a:pPr algn="ctr"/>
+            <a:r>
+              <a:rPr lang="pt-BR" dirty="0" smtClean="0"/>
+              <a:t>Botões</a:t>
+            </a:r>
+            <a:endParaRPr lang="pt-BR" dirty="0"/>
+          </a:p>
+        </p:txBody>
+      </p:sp>
+      <p:sp>
+        <p:nvSpPr>
+          <p:cNvPr id="6" name="Espaço Reservado para Conteúdo 2"/>
+          <p:cNvSpPr txBox="1">
+            <a:spLocks/>
+          </p:cNvSpPr>
+          <p:nvPr/>
+        </p:nvSpPr>
+        <p:spPr>
+          <a:xfrm>
+            <a:off x="1097280" y="1845734"/>
+            <a:ext cx="10112628" cy="4490672"/>
+          </a:xfrm>
+          <a:prstGeom prst="rect">
+            <a:avLst/>
+          </a:prstGeom>
+        </p:spPr>
+        <p:txBody>
+          <a:bodyPr vert="horz" lIns="0" tIns="45720" rIns="0" bIns="45720" rtlCol="0">
+            <a:normAutofit/>
+          </a:bodyPr>
+          <a:lstStyle>
+            <a:lvl1pPr marL="91440" indent="-91440" algn="l" defTabSz="914400" rtl="0" eaLnBrk="1" latinLnBrk="0" hangingPunct="1">
+              <a:lnSpc>
+                <a:spcPct val="90000"/>
+              </a:lnSpc>
+              <a:spcBef>
+                <a:spcPts val="1200"/>
+              </a:spcBef>
+              <a:spcAft>
+                <a:spcPts val="200"/>
+              </a:spcAft>
+              <a:buClr>
+                <a:schemeClr val="accent1"/>
+              </a:buClr>
+              <a:buSzPct val="100000"/>
+              <a:buFont typeface="Calibri" panose="020F0502020204030204" pitchFamily="34" charset="0"/>
+              <a:buChar char=" "/>
+              <a:defRPr sz="2000" kern="1200">
+                <a:solidFill>
+                  <a:schemeClr val="tx1">
+                    <a:lumMod val="75000"/>
+                    <a:lumOff val="25000"/>
+                  </a:schemeClr>
+                </a:solidFill>
+                <a:latin typeface="+mn-lt"/>
+                <a:ea typeface="+mn-ea"/>
+                <a:cs typeface="+mn-cs"/>
+              </a:defRPr>
+            </a:lvl1pPr>
+            <a:lvl2pPr marL="384048" indent="-182880" algn="l" defTabSz="914400" rtl="0" eaLnBrk="1" latinLnBrk="0" hangingPunct="1">
+              <a:lnSpc>
+                <a:spcPct val="90000"/>
+              </a:lnSpc>
+              <a:spcBef>
+                <a:spcPts val="200"/>
+              </a:spcBef>
+              <a:spcAft>
+                <a:spcPts val="400"/>
+              </a:spcAft>
+              <a:buClr>
+                <a:schemeClr val="accent1"/>
+              </a:buClr>
+              <a:buFont typeface="Calibri" pitchFamily="34" charset="0"/>
+              <a:buChar char="◦"/>
+              <a:defRPr sz="1800" kern="1200">
+                <a:solidFill>
+                  <a:schemeClr val="tx1">
+                    <a:lumMod val="75000"/>
+                    <a:lumOff val="25000"/>
+                  </a:schemeClr>
+                </a:solidFill>
+                <a:latin typeface="+mn-lt"/>
+                <a:ea typeface="+mn-ea"/>
+                <a:cs typeface="+mn-cs"/>
+              </a:defRPr>
+            </a:lvl2pPr>
+            <a:lvl3pPr marL="566928" indent="-182880" algn="l" defTabSz="914400" rtl="0" eaLnBrk="1" latinLnBrk="0" hangingPunct="1">
+              <a:lnSpc>
+                <a:spcPct val="90000"/>
+              </a:lnSpc>
+              <a:spcBef>
+                <a:spcPts val="200"/>
+              </a:spcBef>
+              <a:spcAft>
+                <a:spcPts val="400"/>
+              </a:spcAft>
+              <a:buClr>
+                <a:schemeClr val="accent1"/>
+              </a:buClr>
+              <a:buFont typeface="Calibri" pitchFamily="34" charset="0"/>
+              <a:buChar char="◦"/>
+              <a:defRPr sz="1400" kern="1200">
+                <a:solidFill>
+                  <a:schemeClr val="tx1">
+                    <a:lumMod val="75000"/>
+                    <a:lumOff val="25000"/>
+                  </a:schemeClr>
+                </a:solidFill>
+                <a:latin typeface="+mn-lt"/>
+                <a:ea typeface="+mn-ea"/>
+                <a:cs typeface="+mn-cs"/>
+              </a:defRPr>
+            </a:lvl3pPr>
+            <a:lvl4pPr marL="749808" indent="-182880" algn="l" defTabSz="914400" rtl="0" eaLnBrk="1" latinLnBrk="0" hangingPunct="1">
+              <a:lnSpc>
+                <a:spcPct val="90000"/>
+              </a:lnSpc>
+              <a:spcBef>
+                <a:spcPts val="200"/>
+              </a:spcBef>
+              <a:spcAft>
+                <a:spcPts val="400"/>
+              </a:spcAft>
+              <a:buClr>
+                <a:schemeClr val="accent1"/>
+              </a:buClr>
+              <a:buFont typeface="Calibri" pitchFamily="34" charset="0"/>
+              <a:buChar char="◦"/>
+              <a:defRPr sz="1400" kern="1200">
+                <a:solidFill>
+                  <a:schemeClr val="tx1">
+                    <a:lumMod val="75000"/>
+                    <a:lumOff val="25000"/>
+                  </a:schemeClr>
+                </a:solidFill>
+                <a:latin typeface="+mn-lt"/>
+                <a:ea typeface="+mn-ea"/>
+                <a:cs typeface="+mn-cs"/>
+              </a:defRPr>
+            </a:lvl4pPr>
+            <a:lvl5pPr marL="932688" indent="-182880" algn="l" defTabSz="914400" rtl="0" eaLnBrk="1" latinLnBrk="0" hangingPunct="1">
+              <a:lnSpc>
+                <a:spcPct val="90000"/>
+              </a:lnSpc>
+              <a:spcBef>
+                <a:spcPts val="200"/>
+              </a:spcBef>
+              <a:spcAft>
+                <a:spcPts val="400"/>
+              </a:spcAft>
+              <a:buClr>
+                <a:schemeClr val="accent1"/>
+              </a:buClr>
+              <a:buFont typeface="Calibri" pitchFamily="34" charset="0"/>
+              <a:buChar char="◦"/>
+              <a:defRPr sz="1400" kern="1200">
+                <a:solidFill>
+                  <a:schemeClr val="tx1">
+                    <a:lumMod val="75000"/>
+                    <a:lumOff val="25000"/>
+                  </a:schemeClr>
+                </a:solidFill>
+                <a:latin typeface="+mn-lt"/>
+                <a:ea typeface="+mn-ea"/>
+                <a:cs typeface="+mn-cs"/>
+              </a:defRPr>
+            </a:lvl5pPr>
+            <a:lvl6pPr marL="1100000" indent="-228600" algn="l" defTabSz="914400" rtl="0" eaLnBrk="1" latinLnBrk="0" hangingPunct="1">
+              <a:lnSpc>
+                <a:spcPct val="90000"/>
+              </a:lnSpc>
+              <a:spcBef>
+                <a:spcPts val="200"/>
+              </a:spcBef>
+              <a:spcAft>
+                <a:spcPts val="400"/>
+              </a:spcAft>
+              <a:buClr>
+                <a:schemeClr val="accent1"/>
+              </a:buClr>
+              <a:buFont typeface="Calibri" pitchFamily="34" charset="0"/>
+              <a:buChar char="◦"/>
+              <a:defRPr sz="1400" kern="1200">
+                <a:solidFill>
+                  <a:schemeClr val="tx1">
+                    <a:lumMod val="75000"/>
+                    <a:lumOff val="25000"/>
+                  </a:schemeClr>
+                </a:solidFill>
+                <a:latin typeface="+mn-lt"/>
+                <a:ea typeface="+mn-ea"/>
+                <a:cs typeface="+mn-cs"/>
+              </a:defRPr>
+            </a:lvl6pPr>
+            <a:lvl7pPr marL="1300000" indent="-228600" algn="l" defTabSz="914400" rtl="0" eaLnBrk="1" latinLnBrk="0" hangingPunct="1">
+              <a:lnSpc>
+                <a:spcPct val="90000"/>
+              </a:lnSpc>
+              <a:spcBef>
+                <a:spcPts val="200"/>
+              </a:spcBef>
+              <a:spcAft>
+                <a:spcPts val="400"/>
+              </a:spcAft>
+              <a:buClr>
+                <a:schemeClr val="accent1"/>
+              </a:buClr>
+              <a:buFont typeface="Calibri" pitchFamily="34" charset="0"/>
+              <a:buChar char="◦"/>
+              <a:defRPr sz="1400" kern="1200">
+                <a:solidFill>
+                  <a:schemeClr val="tx1">
+                    <a:lumMod val="75000"/>
+                    <a:lumOff val="25000"/>
+                  </a:schemeClr>
+                </a:solidFill>
+                <a:latin typeface="+mn-lt"/>
+                <a:ea typeface="+mn-ea"/>
+                <a:cs typeface="+mn-cs"/>
+              </a:defRPr>
+            </a:lvl7pPr>
+            <a:lvl8pPr marL="1500000" indent="-228600" algn="l" defTabSz="914400" rtl="0" eaLnBrk="1" latinLnBrk="0" hangingPunct="1">
+              <a:lnSpc>
+                <a:spcPct val="90000"/>
+              </a:lnSpc>
+              <a:spcBef>
+                <a:spcPts val="200"/>
+              </a:spcBef>
+              <a:spcAft>
+                <a:spcPts val="400"/>
+              </a:spcAft>
+              <a:buClr>
+                <a:schemeClr val="accent1"/>
+              </a:buClr>
+              <a:buFont typeface="Calibri" pitchFamily="34" charset="0"/>
+              <a:buChar char="◦"/>
+              <a:defRPr sz="1400" kern="1200">
+                <a:solidFill>
+                  <a:schemeClr val="tx1">
+                    <a:lumMod val="75000"/>
+                    <a:lumOff val="25000"/>
+                  </a:schemeClr>
+                </a:solidFill>
+                <a:latin typeface="+mn-lt"/>
+                <a:ea typeface="+mn-ea"/>
+                <a:cs typeface="+mn-cs"/>
+              </a:defRPr>
+            </a:lvl8pPr>
+            <a:lvl9pPr marL="1700000" indent="-228600" algn="l" defTabSz="914400" rtl="0" eaLnBrk="1" latinLnBrk="0" hangingPunct="1">
+              <a:lnSpc>
+                <a:spcPct val="90000"/>
+              </a:lnSpc>
+              <a:spcBef>
+                <a:spcPts val="200"/>
+              </a:spcBef>
+              <a:spcAft>
+                <a:spcPts val="400"/>
+              </a:spcAft>
+              <a:buClr>
+                <a:schemeClr val="accent1"/>
+              </a:buClr>
+              <a:buFont typeface="Calibri" pitchFamily="34" charset="0"/>
+              <a:buChar char="◦"/>
+              <a:defRPr sz="1400" kern="1200">
+                <a:solidFill>
+                  <a:schemeClr val="tx1">
+                    <a:lumMod val="75000"/>
+                    <a:lumOff val="25000"/>
+                  </a:schemeClr>
+                </a:solidFill>
+                <a:latin typeface="+mn-lt"/>
+                <a:ea typeface="+mn-ea"/>
+                <a:cs typeface="+mn-cs"/>
+              </a:defRPr>
+            </a:lvl9pPr>
+          </a:lstStyle>
+          <a:p>
+            <a:pPr>
+              <a:buFont typeface="Arial" panose="020B0604020202020204" pitchFamily="34" charset="0"/>
+              <a:buChar char="•"/>
+            </a:pPr>
+            <a:r>
+              <a:rPr lang="pt-BR" dirty="0" smtClean="0"/>
+              <a:t> Parar chamar o botão, é necessário aplica a classe </a:t>
+            </a:r>
+            <a:r>
+              <a:rPr lang="pt-BR" b="1" dirty="0" smtClean="0"/>
+              <a:t>.</a:t>
+            </a:r>
+            <a:r>
+              <a:rPr lang="pt-BR" b="1" dirty="0" err="1" smtClean="0"/>
+              <a:t>btn</a:t>
+            </a:r>
+            <a:endParaRPr lang="pt-BR" dirty="0" smtClean="0"/>
+          </a:p>
+          <a:p>
+            <a:pPr>
+              <a:buFont typeface="Arial" panose="020B0604020202020204" pitchFamily="34" charset="0"/>
+              <a:buChar char="•"/>
+            </a:pPr>
+            <a:r>
+              <a:rPr lang="pt-BR" dirty="0" smtClean="0"/>
+              <a:t> Existe vários estilos para os botões: </a:t>
+            </a:r>
+            <a:r>
+              <a:rPr lang="pt-BR" b="1" dirty="0" smtClean="0"/>
+              <a:t>.default, .</a:t>
+            </a:r>
+            <a:r>
+              <a:rPr lang="pt-BR" b="1" dirty="0" err="1" smtClean="0"/>
+              <a:t>primary</a:t>
+            </a:r>
+            <a:r>
+              <a:rPr lang="pt-BR" b="1" dirty="0" smtClean="0"/>
+              <a:t>, .</a:t>
+            </a:r>
+            <a:r>
+              <a:rPr lang="pt-BR" b="1" dirty="0" err="1" smtClean="0"/>
+              <a:t>info</a:t>
+            </a:r>
+            <a:r>
+              <a:rPr lang="pt-BR" b="1" dirty="0" smtClean="0"/>
+              <a:t>, .</a:t>
+            </a:r>
+            <a:r>
+              <a:rPr lang="pt-BR" b="1" dirty="0" err="1" smtClean="0"/>
+              <a:t>success</a:t>
+            </a:r>
+            <a:r>
+              <a:rPr lang="pt-BR" b="1" dirty="0" smtClean="0"/>
+              <a:t>, .</a:t>
+            </a:r>
+            <a:r>
+              <a:rPr lang="pt-BR" b="1" dirty="0" err="1" smtClean="0"/>
+              <a:t>danger</a:t>
+            </a:r>
+            <a:endParaRPr lang="pt-BR" b="1" dirty="0" smtClean="0"/>
+          </a:p>
+          <a:p>
+            <a:pPr>
+              <a:buFont typeface="Arial" panose="020B0604020202020204" pitchFamily="34" charset="0"/>
+              <a:buChar char="•"/>
+            </a:pPr>
+            <a:r>
+              <a:rPr lang="pt-BR" dirty="0"/>
+              <a:t> </a:t>
+            </a:r>
+            <a:r>
+              <a:rPr lang="pt-BR" dirty="0" smtClean="0"/>
+              <a:t>Possui um tamanho padrão, mas também pode ser modificado usando: </a:t>
+            </a:r>
+            <a:r>
+              <a:rPr lang="pt-BR" b="1" dirty="0" smtClean="0"/>
+              <a:t>.</a:t>
+            </a:r>
+            <a:r>
+              <a:rPr lang="pt-BR" b="1" dirty="0" err="1" smtClean="0"/>
+              <a:t>btn-lg</a:t>
+            </a:r>
+            <a:r>
+              <a:rPr lang="pt-BR" b="1" dirty="0" smtClean="0"/>
+              <a:t>, </a:t>
+            </a:r>
+            <a:r>
+              <a:rPr lang="pt-BR" b="1" dirty="0"/>
+              <a:t>.</a:t>
+            </a:r>
+            <a:r>
+              <a:rPr lang="pt-BR" b="1" dirty="0" err="1" smtClean="0"/>
+              <a:t>btn-md</a:t>
+            </a:r>
+            <a:r>
+              <a:rPr lang="pt-BR" b="1" dirty="0" smtClean="0"/>
+              <a:t>, </a:t>
+            </a:r>
+            <a:r>
+              <a:rPr lang="pt-BR" b="1" dirty="0"/>
+              <a:t>.</a:t>
+            </a:r>
+            <a:r>
+              <a:rPr lang="pt-BR" b="1" dirty="0" err="1" smtClean="0"/>
+              <a:t>btn</a:t>
+            </a:r>
+            <a:r>
+              <a:rPr lang="pt-BR" b="1" dirty="0" smtClean="0"/>
+              <a:t>-mg, </a:t>
+            </a:r>
+            <a:r>
+              <a:rPr lang="pt-BR" b="1" dirty="0"/>
+              <a:t>.</a:t>
+            </a:r>
+            <a:r>
+              <a:rPr lang="pt-BR" b="1" dirty="0" err="1" smtClean="0"/>
+              <a:t>btn-xs</a:t>
+            </a:r>
+            <a:endParaRPr lang="pt-BR" dirty="0" smtClean="0"/>
+          </a:p>
+          <a:p>
+            <a:pPr marL="0" indent="0">
+              <a:buNone/>
+            </a:pPr>
+            <a:endParaRPr lang="pt-BR" dirty="0"/>
+          </a:p>
+        </p:txBody>
+      </p:sp>
+      <p:pic>
+        <p:nvPicPr>
+          <p:cNvPr id="7" name="Imagem 6"/>
+          <p:cNvPicPr>
+            <a:picLocks noChangeAspect="1"/>
+          </p:cNvPicPr>
+          <p:nvPr/>
+        </p:nvPicPr>
+        <p:blipFill>
+          <a:blip r:embed="rId2"/>
+          <a:stretch>
+            <a:fillRect/>
+          </a:stretch>
+        </p:blipFill>
+        <p:spPr>
+          <a:xfrm>
+            <a:off x="11037194" y="5543154"/>
+            <a:ext cx="1154806" cy="777824"/>
+          </a:xfrm>
+          <a:prstGeom prst="rect">
+            <a:avLst/>
+          </a:prstGeom>
+        </p:spPr>
+      </p:pic>
+    </p:spTree>
+    <p:extLst>
+      <p:ext uri="{BB962C8B-B14F-4D97-AF65-F5344CB8AC3E}">
+        <p14:creationId xmlns:p14="http://schemas.microsoft.com/office/powerpoint/2010/main" val="3773317958"/>
+      </p:ext>
+    </p:extLst>
+  </p:cSld>
+  <p:clrMapOvr>
+    <a:masterClrMapping/>
+  </p:clrMapOvr>
+  <p:timing>
+    <p:tnLst>
+      <p:par>
+        <p:cTn id="1" dur="indefinite" restart="never" nodeType="tmRoot"/>
+      </p:par>
+    </p:tnLst>
+  </p:timing>
+</p:sld>
+</file>
+
+<file path=ppt/slides/slide9.xml><?xml version="1.0" encoding="utf-8"?>
+<p:sld xmlns:a="http://schemas.openxmlformats.org/drawingml/2006/main" xmlns:r="http://schemas.openxmlformats.org/officeDocument/2006/relationships" xmlns:p="http://schemas.openxmlformats.org/presentationml/2006/main">
+  <p:cSld>
+    <p:spTree>
+      <p:nvGrpSpPr>
+        <p:cNvPr id="1" name=""/>
+        <p:cNvGrpSpPr/>
+        <p:nvPr/>
+      </p:nvGrpSpPr>
+      <p:grpSpPr>
+        <a:xfrm>
+          <a:off x="0" y="0"/>
+          <a:ext cx="0" cy="0"/>
+          <a:chOff x="0" y="0"/>
+          <a:chExt cx="0" cy="0"/>
+        </a:xfrm>
+      </p:grpSpPr>
+      <p:sp>
+        <p:nvSpPr>
+          <p:cNvPr id="2" name="Título 1"/>
+          <p:cNvSpPr>
+            <a:spLocks noGrp="1"/>
+          </p:cNvSpPr>
+          <p:nvPr>
+            <p:ph type="title"/>
+          </p:nvPr>
+        </p:nvSpPr>
+        <p:spPr>
+          <a:xfrm>
+            <a:off x="1097280" y="940158"/>
+            <a:ext cx="10058400" cy="771445"/>
+          </a:xfrm>
+        </p:spPr>
+        <p:txBody>
+          <a:bodyPr/>
+          <a:lstStyle/>
+          <a:p>
+            <a:pPr algn="ctr"/>
+            <a:r>
+              <a:rPr lang="pt-BR" dirty="0" smtClean="0"/>
+              <a:t>Botões</a:t>
+            </a:r>
+            <a:endParaRPr lang="pt-BR" dirty="0"/>
+          </a:p>
+        </p:txBody>
+      </p:sp>
+      <p:pic>
+        <p:nvPicPr>
+          <p:cNvPr id="10" name="Imagem 9"/>
+          <p:cNvPicPr>
+            <a:picLocks noChangeAspect="1"/>
+          </p:cNvPicPr>
+          <p:nvPr/>
+        </p:nvPicPr>
+        <p:blipFill>
+          <a:blip r:embed="rId2"/>
+          <a:stretch>
+            <a:fillRect/>
+          </a:stretch>
+        </p:blipFill>
+        <p:spPr>
+          <a:xfrm>
+            <a:off x="11037194" y="5543154"/>
+            <a:ext cx="1154806" cy="777824"/>
+          </a:xfrm>
+          <a:prstGeom prst="rect">
+            <a:avLst/>
+          </a:prstGeom>
+        </p:spPr>
+      </p:pic>
+      <p:pic>
+        <p:nvPicPr>
+          <p:cNvPr id="4" name="Imagem 3"/>
+          <p:cNvPicPr>
+            <a:picLocks noChangeAspect="1"/>
+          </p:cNvPicPr>
+          <p:nvPr/>
+        </p:nvPicPr>
+        <p:blipFill>
+          <a:blip r:embed="rId3"/>
+          <a:stretch>
+            <a:fillRect/>
+          </a:stretch>
+        </p:blipFill>
+        <p:spPr>
+          <a:xfrm>
+            <a:off x="3621539" y="1965784"/>
+            <a:ext cx="4157301" cy="1898726"/>
+          </a:xfrm>
+          <a:prstGeom prst="rect">
+            <a:avLst/>
+          </a:prstGeom>
+        </p:spPr>
+      </p:pic>
+      <p:pic>
+        <p:nvPicPr>
+          <p:cNvPr id="5" name="Imagem 4"/>
+          <p:cNvPicPr>
+            <a:picLocks noChangeAspect="1"/>
+          </p:cNvPicPr>
+          <p:nvPr/>
+        </p:nvPicPr>
+        <p:blipFill>
+          <a:blip r:embed="rId4"/>
+          <a:stretch>
+            <a:fillRect/>
+          </a:stretch>
+        </p:blipFill>
+        <p:spPr>
+          <a:xfrm>
+            <a:off x="2069379" y="4118691"/>
+            <a:ext cx="7641671" cy="2202287"/>
+          </a:xfrm>
+          <a:prstGeom prst="rect">
+            <a:avLst/>
+          </a:prstGeom>
+        </p:spPr>
+      </p:pic>
+    </p:spTree>
+    <p:extLst>
+      <p:ext uri="{BB962C8B-B14F-4D97-AF65-F5344CB8AC3E}">
+        <p14:creationId xmlns:p14="http://schemas.microsoft.com/office/powerpoint/2010/main" val="31858349"/>
+      </p:ext>
+    </p:extLst>
+  </p:cSld>
+  <p:clrMapOvr>
+    <a:masterClrMapping/>
+  </p:clrMapOvr>
+  <p:timing>
+    <p:tnLst>
+      <p:par>
+        <p:cTn id="1" dur="indefinite" restart="never" nodeType="tmRoot"/>
+      </p:par>
+    </p:tnLst>
+  </p:timing>
 </p:sld>
 </file>
 

--- a/Aula-Bootstrap.pptx
+++ b/Aula-Bootstrap.pptx
@@ -117,6 +117,11 @@
       </a:defRPr>
     </a:lvl9pPr>
   </p:defaultTextStyle>
+  <p:extLst>
+    <p:ext uri="{EFAFB233-063F-42B5-8137-9DF3F51BA10A}">
+      <p15:sldGuideLst xmlns:p15="http://schemas.microsoft.com/office/powerpoint/2012/main"/>
+    </p:ext>
+  </p:extLst>
 </p:presentation>
 </file>
 
@@ -5673,8 +5678,8 @@
               <a:buChar char="•"/>
             </a:pPr>
             <a:r>
-              <a:rPr lang="pt-BR" sz="2200" dirty="0" smtClean="0"/>
-              <a:t>O </a:t>
+              <a:rPr lang="pt-BR" sz="2200" smtClean="0"/>
+              <a:t> O </a:t>
             </a:r>
             <a:r>
               <a:rPr lang="pt-BR" sz="2200" dirty="0" err="1" smtClean="0"/>
@@ -5700,7 +5705,11 @@
             </a:pPr>
             <a:r>
               <a:rPr lang="pt-BR" sz="2200" dirty="0" smtClean="0"/>
-              <a:t>É o mais popular para o desenvolvimento de sites e aplicações web responsivas.</a:t>
+              <a:t> É </a:t>
+            </a:r>
+            <a:r>
+              <a:rPr lang="pt-BR" sz="2200" dirty="0" smtClean="0"/>
+              <a:t>o mais popular para o desenvolvimento de sites e aplicações web responsivas.</a:t>
             </a:r>
           </a:p>
           <a:p>
@@ -5710,7 +5719,11 @@
             </a:pPr>
             <a:r>
               <a:rPr lang="pt-BR" sz="2200" dirty="0" smtClean="0"/>
-              <a:t>Possui a filosofia Mobile </a:t>
+              <a:t> Filosofia </a:t>
+            </a:r>
+            <a:r>
+              <a:rPr lang="pt-BR" sz="2200" dirty="0" smtClean="0"/>
+              <a:t>Mobile </a:t>
             </a:r>
             <a:r>
               <a:rPr lang="pt-BR" sz="2200" dirty="0" err="1" smtClean="0"/>
